--- a/slides/Unified Process.pptx
+++ b/slides/Unified Process.pptx
@@ -18,29 +18,32 @@
     <p:sldId id="273" r:id="rId12"/>
     <p:sldId id="274" r:id="rId13"/>
     <p:sldId id="275" r:id="rId14"/>
-    <p:sldId id="276" r:id="rId15"/>
-    <p:sldId id="277" r:id="rId16"/>
-    <p:sldId id="282" r:id="rId17"/>
-    <p:sldId id="280" r:id="rId18"/>
-    <p:sldId id="281" r:id="rId19"/>
-    <p:sldId id="289" r:id="rId20"/>
-    <p:sldId id="290" r:id="rId21"/>
-    <p:sldId id="283" r:id="rId22"/>
-    <p:sldId id="284" r:id="rId23"/>
-    <p:sldId id="285" r:id="rId24"/>
-    <p:sldId id="291" r:id="rId25"/>
-    <p:sldId id="286" r:id="rId26"/>
-    <p:sldId id="292" r:id="rId27"/>
-    <p:sldId id="287" r:id="rId28"/>
-    <p:sldId id="293" r:id="rId29"/>
-    <p:sldId id="294" r:id="rId30"/>
-    <p:sldId id="295" r:id="rId31"/>
-    <p:sldId id="296" r:id="rId32"/>
-    <p:sldId id="297" r:id="rId33"/>
-    <p:sldId id="298" r:id="rId34"/>
-    <p:sldId id="299" r:id="rId35"/>
-    <p:sldId id="300" r:id="rId36"/>
-    <p:sldId id="301" r:id="rId37"/>
+    <p:sldId id="336" r:id="rId15"/>
+    <p:sldId id="337" r:id="rId16"/>
+    <p:sldId id="338" r:id="rId17"/>
+    <p:sldId id="276" r:id="rId18"/>
+    <p:sldId id="277" r:id="rId19"/>
+    <p:sldId id="282" r:id="rId20"/>
+    <p:sldId id="280" r:id="rId21"/>
+    <p:sldId id="281" r:id="rId22"/>
+    <p:sldId id="289" r:id="rId23"/>
+    <p:sldId id="290" r:id="rId24"/>
+    <p:sldId id="283" r:id="rId25"/>
+    <p:sldId id="284" r:id="rId26"/>
+    <p:sldId id="285" r:id="rId27"/>
+    <p:sldId id="291" r:id="rId28"/>
+    <p:sldId id="286" r:id="rId29"/>
+    <p:sldId id="292" r:id="rId30"/>
+    <p:sldId id="287" r:id="rId31"/>
+    <p:sldId id="293" r:id="rId32"/>
+    <p:sldId id="294" r:id="rId33"/>
+    <p:sldId id="295" r:id="rId34"/>
+    <p:sldId id="296" r:id="rId35"/>
+    <p:sldId id="297" r:id="rId36"/>
+    <p:sldId id="298" r:id="rId37"/>
+    <p:sldId id="299" r:id="rId38"/>
+    <p:sldId id="300" r:id="rId39"/>
+    <p:sldId id="301" r:id="rId40"/>
   </p:sldIdLst>
   <p:sldSz cx="12192000" cy="6858000"/>
   <p:notesSz cx="6858000" cy="9144000"/>
@@ -215,7 +218,7 @@
           <a:noFill/>
           <a:extLst>
             <a:ext uri="{909E8E84-426E-40dd-AFC4-6F175D3DCCD1}">
-              <a14:hiddenFill xmlns:a14="http://schemas.microsoft.com/office/drawing/2010/main" xmlns="">
+              <a14:hiddenFill xmlns="" xmlns:a14="http://schemas.microsoft.com/office/drawing/2010/main">
                 <a:solidFill>
                   <a:srgbClr val="FFFFFF"/>
                 </a:solidFill>
@@ -274,7 +277,7 @@
             </a:ln>
             <a:extLst>
               <a:ext uri="{91240B29-F687-4f45-9708-019B960494DF}">
-                <a14:hiddenLine xmlns:a14="http://schemas.microsoft.com/office/drawing/2010/main" xmlns="" w="9525">
+                <a14:hiddenLine xmlns="" xmlns:a14="http://schemas.microsoft.com/office/drawing/2010/main" w="9525">
                   <a:solidFill>
                     <a:srgbClr val="000000"/>
                   </a:solidFill>
@@ -364,7 +367,7 @@
             </a:ln>
             <a:extLst>
               <a:ext uri="{91240B29-F687-4f45-9708-019B960494DF}">
-                <a14:hiddenLine xmlns:a14="http://schemas.microsoft.com/office/drawing/2010/main" xmlns="" w="9525">
+                <a14:hiddenLine xmlns="" xmlns:a14="http://schemas.microsoft.com/office/drawing/2010/main" w="9525">
                   <a:solidFill>
                     <a:srgbClr val="000000"/>
                   </a:solidFill>
@@ -454,7 +457,7 @@
             </a:ln>
             <a:extLst>
               <a:ext uri="{91240B29-F687-4f45-9708-019B960494DF}">
-                <a14:hiddenLine xmlns:a14="http://schemas.microsoft.com/office/drawing/2010/main" xmlns="" w="9525">
+                <a14:hiddenLine xmlns="" xmlns:a14="http://schemas.microsoft.com/office/drawing/2010/main" w="9525">
                   <a:solidFill>
                     <a:srgbClr val="000000"/>
                   </a:solidFill>
@@ -488,7 +491,7 @@
             </a:ln>
             <a:extLst>
               <a:ext uri="{91240B29-F687-4f45-9708-019B960494DF}">
-                <a14:hiddenLine xmlns:a14="http://schemas.microsoft.com/office/drawing/2010/main" xmlns="" w="9525">
+                <a14:hiddenLine xmlns="" xmlns:a14="http://schemas.microsoft.com/office/drawing/2010/main" w="9525">
                   <a:solidFill>
                     <a:srgbClr val="000000"/>
                   </a:solidFill>
@@ -578,7 +581,7 @@
             </a:ln>
             <a:extLst>
               <a:ext uri="{91240B29-F687-4f45-9708-019B960494DF}">
-                <a14:hiddenLine xmlns:a14="http://schemas.microsoft.com/office/drawing/2010/main" xmlns="" w="9525">
+                <a14:hiddenLine xmlns="" xmlns:a14="http://schemas.microsoft.com/office/drawing/2010/main" w="9525">
                   <a:solidFill>
                     <a:srgbClr val="000000"/>
                   </a:solidFill>
@@ -640,7 +643,7 @@
             </a:ln>
             <a:extLst>
               <a:ext uri="{91240B29-F687-4f45-9708-019B960494DF}">
-                <a14:hiddenLine xmlns:a14="http://schemas.microsoft.com/office/drawing/2010/main" xmlns="" w="9525">
+                <a14:hiddenLine xmlns="" xmlns:a14="http://schemas.microsoft.com/office/drawing/2010/main" w="9525">
                   <a:solidFill>
                     <a:srgbClr val="000000"/>
                   </a:solidFill>
@@ -702,7 +705,7 @@
             </a:ln>
             <a:extLst>
               <a:ext uri="{91240B29-F687-4f45-9708-019B960494DF}">
-                <a14:hiddenLine xmlns:a14="http://schemas.microsoft.com/office/drawing/2010/main" xmlns="" w="9525">
+                <a14:hiddenLine xmlns="" xmlns:a14="http://schemas.microsoft.com/office/drawing/2010/main" w="9525">
                   <a:solidFill>
                     <a:srgbClr val="000000"/>
                   </a:solidFill>
@@ -792,7 +795,7 @@
             </a:ln>
             <a:extLst>
               <a:ext uri="{91240B29-F687-4f45-9708-019B960494DF}">
-                <a14:hiddenLine xmlns:a14="http://schemas.microsoft.com/office/drawing/2010/main" xmlns="" w="9525">
+                <a14:hiddenLine xmlns="" xmlns:a14="http://schemas.microsoft.com/office/drawing/2010/main" w="9525">
                   <a:solidFill>
                     <a:srgbClr val="000000"/>
                   </a:solidFill>
@@ -854,7 +857,7 @@
             </a:ln>
             <a:extLst>
               <a:ext uri="{91240B29-F687-4f45-9708-019B960494DF}">
-                <a14:hiddenLine xmlns:a14="http://schemas.microsoft.com/office/drawing/2010/main" xmlns="" w="9525">
+                <a14:hiddenLine xmlns="" xmlns:a14="http://schemas.microsoft.com/office/drawing/2010/main" w="9525">
                   <a:solidFill>
                     <a:srgbClr val="000000"/>
                   </a:solidFill>
@@ -916,7 +919,7 @@
             </a:ln>
             <a:extLst>
               <a:ext uri="{91240B29-F687-4f45-9708-019B960494DF}">
-                <a14:hiddenLine xmlns:a14="http://schemas.microsoft.com/office/drawing/2010/main" xmlns="" w="9525">
+                <a14:hiddenLine xmlns="" xmlns:a14="http://schemas.microsoft.com/office/drawing/2010/main" w="9525">
                   <a:solidFill>
                     <a:srgbClr val="000000"/>
                   </a:solidFill>
@@ -1006,7 +1009,7 @@
             </a:ln>
             <a:extLst>
               <a:ext uri="{91240B29-F687-4f45-9708-019B960494DF}">
-                <a14:hiddenLine xmlns:a14="http://schemas.microsoft.com/office/drawing/2010/main" xmlns="" w="9525">
+                <a14:hiddenLine xmlns="" xmlns:a14="http://schemas.microsoft.com/office/drawing/2010/main" w="9525">
                   <a:solidFill>
                     <a:srgbClr val="000000"/>
                   </a:solidFill>
@@ -1096,7 +1099,7 @@
             </a:ln>
             <a:extLst>
               <a:ext uri="{91240B29-F687-4f45-9708-019B960494DF}">
-                <a14:hiddenLine xmlns:a14="http://schemas.microsoft.com/office/drawing/2010/main" xmlns="" w="9525">
+                <a14:hiddenLine xmlns="" xmlns:a14="http://schemas.microsoft.com/office/drawing/2010/main" w="9525">
                   <a:solidFill>
                     <a:srgbClr val="000000"/>
                   </a:solidFill>
@@ -1158,7 +1161,7 @@
             </a:ln>
             <a:extLst>
               <a:ext uri="{91240B29-F687-4f45-9708-019B960494DF}">
-                <a14:hiddenLine xmlns:a14="http://schemas.microsoft.com/office/drawing/2010/main" xmlns="" w="9525">
+                <a14:hiddenLine xmlns="" xmlns:a14="http://schemas.microsoft.com/office/drawing/2010/main" w="9525">
                   <a:solidFill>
                     <a:srgbClr val="000000"/>
                   </a:solidFill>
@@ -1268,7 +1271,7 @@
             </a:ln>
             <a:extLst>
               <a:ext uri="{91240B29-F687-4f45-9708-019B960494DF}">
-                <a14:hiddenLine xmlns:a14="http://schemas.microsoft.com/office/drawing/2010/main" xmlns="" w="9525">
+                <a14:hiddenLine xmlns="" xmlns:a14="http://schemas.microsoft.com/office/drawing/2010/main" w="9525">
                   <a:solidFill>
                     <a:srgbClr val="000000"/>
                   </a:solidFill>
@@ -1330,7 +1333,7 @@
             </a:ln>
             <a:extLst>
               <a:ext uri="{91240B29-F687-4f45-9708-019B960494DF}">
-                <a14:hiddenLine xmlns:a14="http://schemas.microsoft.com/office/drawing/2010/main" xmlns="" w="9525">
+                <a14:hiddenLine xmlns="" xmlns:a14="http://schemas.microsoft.com/office/drawing/2010/main" w="9525">
                   <a:solidFill>
                     <a:srgbClr val="000000"/>
                   </a:solidFill>
@@ -1420,7 +1423,7 @@
             </a:ln>
             <a:extLst>
               <a:ext uri="{91240B29-F687-4f45-9708-019B960494DF}">
-                <a14:hiddenLine xmlns:a14="http://schemas.microsoft.com/office/drawing/2010/main" xmlns="" w="9525">
+                <a14:hiddenLine xmlns="" xmlns:a14="http://schemas.microsoft.com/office/drawing/2010/main" w="9525">
                   <a:solidFill>
                     <a:srgbClr val="000000"/>
                   </a:solidFill>
@@ -1510,7 +1513,7 @@
             </a:ln>
             <a:extLst>
               <a:ext uri="{91240B29-F687-4f45-9708-019B960494DF}">
-                <a14:hiddenLine xmlns:a14="http://schemas.microsoft.com/office/drawing/2010/main" xmlns="" w="9525">
+                <a14:hiddenLine xmlns="" xmlns:a14="http://schemas.microsoft.com/office/drawing/2010/main" w="9525">
                   <a:solidFill>
                     <a:srgbClr val="000000"/>
                   </a:solidFill>
@@ -1572,7 +1575,7 @@
             </a:ln>
             <a:extLst>
               <a:ext uri="{91240B29-F687-4f45-9708-019B960494DF}">
-                <a14:hiddenLine xmlns:a14="http://schemas.microsoft.com/office/drawing/2010/main" xmlns="" w="9525">
+                <a14:hiddenLine xmlns="" xmlns:a14="http://schemas.microsoft.com/office/drawing/2010/main" w="9525">
                   <a:solidFill>
                     <a:srgbClr val="000000"/>
                   </a:solidFill>
@@ -1662,7 +1665,7 @@
             </a:ln>
             <a:extLst>
               <a:ext uri="{91240B29-F687-4f45-9708-019B960494DF}">
-                <a14:hiddenLine xmlns:a14="http://schemas.microsoft.com/office/drawing/2010/main" xmlns="" w="9525">
+                <a14:hiddenLine xmlns="" xmlns:a14="http://schemas.microsoft.com/office/drawing/2010/main" w="9525">
                   <a:solidFill>
                     <a:srgbClr val="000000"/>
                   </a:solidFill>
@@ -1752,7 +1755,7 @@
             </a:ln>
             <a:extLst>
               <a:ext uri="{91240B29-F687-4f45-9708-019B960494DF}">
-                <a14:hiddenLine xmlns:a14="http://schemas.microsoft.com/office/drawing/2010/main" xmlns="" w="9525">
+                <a14:hiddenLine xmlns="" xmlns:a14="http://schemas.microsoft.com/office/drawing/2010/main" w="9525">
                   <a:solidFill>
                     <a:srgbClr val="000000"/>
                   </a:solidFill>
@@ -1808,7 +1811,7 @@
             </a:ln>
             <a:extLst>
               <a:ext uri="{91240B29-F687-4f45-9708-019B960494DF}">
-                <a14:hiddenLine xmlns:a14="http://schemas.microsoft.com/office/drawing/2010/main" xmlns="" w="9525">
+                <a14:hiddenLine xmlns="" xmlns:a14="http://schemas.microsoft.com/office/drawing/2010/main" w="9525">
                   <a:solidFill>
                     <a:srgbClr val="000000"/>
                   </a:solidFill>
@@ -1898,7 +1901,7 @@
             </a:ln>
             <a:extLst>
               <a:ext uri="{91240B29-F687-4f45-9708-019B960494DF}">
-                <a14:hiddenLine xmlns:a14="http://schemas.microsoft.com/office/drawing/2010/main" xmlns="" w="9525">
+                <a14:hiddenLine xmlns="" xmlns:a14="http://schemas.microsoft.com/office/drawing/2010/main" w="9525">
                   <a:solidFill>
                     <a:srgbClr val="000000"/>
                   </a:solidFill>
@@ -1954,7 +1957,7 @@
             </a:ln>
             <a:extLst>
               <a:ext uri="{91240B29-F687-4f45-9708-019B960494DF}">
-                <a14:hiddenLine xmlns:a14="http://schemas.microsoft.com/office/drawing/2010/main" xmlns="" w="9525">
+                <a14:hiddenLine xmlns="" xmlns:a14="http://schemas.microsoft.com/office/drawing/2010/main" w="9525">
                   <a:solidFill>
                     <a:srgbClr val="000000"/>
                   </a:solidFill>
@@ -2044,7 +2047,7 @@
             </a:ln>
             <a:extLst>
               <a:ext uri="{91240B29-F687-4f45-9708-019B960494DF}">
-                <a14:hiddenLine xmlns:a14="http://schemas.microsoft.com/office/drawing/2010/main" xmlns="" w="9525">
+                <a14:hiddenLine xmlns="" xmlns:a14="http://schemas.microsoft.com/office/drawing/2010/main" w="9525">
                   <a:solidFill>
                     <a:srgbClr val="000000"/>
                   </a:solidFill>
@@ -2112,7 +2115,7 @@
             </a:ln>
             <a:extLst>
               <a:ext uri="{91240B29-F687-4f45-9708-019B960494DF}">
-                <a14:hiddenLine xmlns:a14="http://schemas.microsoft.com/office/drawing/2010/main" xmlns="" w="9525">
+                <a14:hiddenLine xmlns="" xmlns:a14="http://schemas.microsoft.com/office/drawing/2010/main" w="9525">
                   <a:solidFill>
                     <a:srgbClr val="000000"/>
                   </a:solidFill>
@@ -2202,7 +2205,7 @@
             </a:ln>
             <a:extLst>
               <a:ext uri="{91240B29-F687-4f45-9708-019B960494DF}">
-                <a14:hiddenLine xmlns:a14="http://schemas.microsoft.com/office/drawing/2010/main" xmlns="" w="9525">
+                <a14:hiddenLine xmlns="" xmlns:a14="http://schemas.microsoft.com/office/drawing/2010/main" w="9525">
                   <a:solidFill>
                     <a:srgbClr val="000000"/>
                   </a:solidFill>
@@ -2270,7 +2273,7 @@
             </a:ln>
             <a:extLst>
               <a:ext uri="{91240B29-F687-4f45-9708-019B960494DF}">
-                <a14:hiddenLine xmlns:a14="http://schemas.microsoft.com/office/drawing/2010/main" xmlns="" w="9525">
+                <a14:hiddenLine xmlns="" xmlns:a14="http://schemas.microsoft.com/office/drawing/2010/main" w="9525">
                   <a:solidFill>
                     <a:srgbClr val="000000"/>
                   </a:solidFill>
@@ -2360,7 +2363,7 @@
             </a:ln>
             <a:extLst>
               <a:ext uri="{91240B29-F687-4f45-9708-019B960494DF}">
-                <a14:hiddenLine xmlns:a14="http://schemas.microsoft.com/office/drawing/2010/main" xmlns="" w="9525">
+                <a14:hiddenLine xmlns="" xmlns:a14="http://schemas.microsoft.com/office/drawing/2010/main" w="9525">
                   <a:solidFill>
                     <a:srgbClr val="000000"/>
                   </a:solidFill>
@@ -2394,7 +2397,7 @@
             </a:ln>
             <a:extLst>
               <a:ext uri="{91240B29-F687-4f45-9708-019B960494DF}">
-                <a14:hiddenLine xmlns:a14="http://schemas.microsoft.com/office/drawing/2010/main" xmlns="" w="9525">
+                <a14:hiddenLine xmlns="" xmlns:a14="http://schemas.microsoft.com/office/drawing/2010/main" w="9525">
                   <a:solidFill>
                     <a:srgbClr val="000000"/>
                   </a:solidFill>
@@ -2484,7 +2487,7 @@
             </a:ln>
             <a:extLst>
               <a:ext uri="{91240B29-F687-4f45-9708-019B960494DF}">
-                <a14:hiddenLine xmlns:a14="http://schemas.microsoft.com/office/drawing/2010/main" xmlns="" w="9525">
+                <a14:hiddenLine xmlns="" xmlns:a14="http://schemas.microsoft.com/office/drawing/2010/main" w="9525">
                   <a:solidFill>
                     <a:srgbClr val="000000"/>
                   </a:solidFill>
@@ -2546,7 +2549,7 @@
             </a:ln>
             <a:extLst>
               <a:ext uri="{91240B29-F687-4f45-9708-019B960494DF}">
-                <a14:hiddenLine xmlns:a14="http://schemas.microsoft.com/office/drawing/2010/main" xmlns="" w="9525">
+                <a14:hiddenLine xmlns="" xmlns:a14="http://schemas.microsoft.com/office/drawing/2010/main" w="9525">
                   <a:solidFill>
                     <a:srgbClr val="000000"/>
                   </a:solidFill>
@@ -2608,7 +2611,7 @@
             </a:ln>
             <a:extLst>
               <a:ext uri="{91240B29-F687-4f45-9708-019B960494DF}">
-                <a14:hiddenLine xmlns:a14="http://schemas.microsoft.com/office/drawing/2010/main" xmlns="" w="9525">
+                <a14:hiddenLine xmlns="" xmlns:a14="http://schemas.microsoft.com/office/drawing/2010/main" w="9525">
                   <a:solidFill>
                     <a:srgbClr val="000000"/>
                   </a:solidFill>
@@ -2698,7 +2701,7 @@
             </a:ln>
             <a:extLst>
               <a:ext uri="{91240B29-F687-4f45-9708-019B960494DF}">
-                <a14:hiddenLine xmlns:a14="http://schemas.microsoft.com/office/drawing/2010/main" xmlns="" w="9525">
+                <a14:hiddenLine xmlns="" xmlns:a14="http://schemas.microsoft.com/office/drawing/2010/main" w="9525">
                   <a:solidFill>
                     <a:srgbClr val="000000"/>
                   </a:solidFill>
@@ -2766,7 +2769,7 @@
             </a:ln>
             <a:extLst>
               <a:ext uri="{91240B29-F687-4f45-9708-019B960494DF}">
-                <a14:hiddenLine xmlns:a14="http://schemas.microsoft.com/office/drawing/2010/main" xmlns="" w="9525">
+                <a14:hiddenLine xmlns="" xmlns:a14="http://schemas.microsoft.com/office/drawing/2010/main" w="9525">
                   <a:solidFill>
                     <a:srgbClr val="000000"/>
                   </a:solidFill>
@@ -2828,7 +2831,7 @@
             </a:ln>
             <a:extLst>
               <a:ext uri="{91240B29-F687-4f45-9708-019B960494DF}">
-                <a14:hiddenLine xmlns:a14="http://schemas.microsoft.com/office/drawing/2010/main" xmlns="" w="9525">
+                <a14:hiddenLine xmlns="" xmlns:a14="http://schemas.microsoft.com/office/drawing/2010/main" w="9525">
                   <a:solidFill>
                     <a:srgbClr val="000000"/>
                   </a:solidFill>
@@ -2918,7 +2921,7 @@
             </a:ln>
             <a:extLst>
               <a:ext uri="{91240B29-F687-4f45-9708-019B960494DF}">
-                <a14:hiddenLine xmlns:a14="http://schemas.microsoft.com/office/drawing/2010/main" xmlns="" w="9525">
+                <a14:hiddenLine xmlns="" xmlns:a14="http://schemas.microsoft.com/office/drawing/2010/main" w="9525">
                   <a:solidFill>
                     <a:srgbClr val="000000"/>
                   </a:solidFill>
@@ -2980,7 +2983,7 @@
             </a:ln>
             <a:extLst>
               <a:ext uri="{91240B29-F687-4f45-9708-019B960494DF}">
-                <a14:hiddenLine xmlns:a14="http://schemas.microsoft.com/office/drawing/2010/main" xmlns="" w="9525">
+                <a14:hiddenLine xmlns="" xmlns:a14="http://schemas.microsoft.com/office/drawing/2010/main" w="9525">
                   <a:solidFill>
                     <a:srgbClr val="000000"/>
                   </a:solidFill>
@@ -3070,7 +3073,7 @@
             </a:ln>
             <a:extLst>
               <a:ext uri="{91240B29-F687-4f45-9708-019B960494DF}">
-                <a14:hiddenLine xmlns:a14="http://schemas.microsoft.com/office/drawing/2010/main" xmlns="" w="9525">
+                <a14:hiddenLine xmlns="" xmlns:a14="http://schemas.microsoft.com/office/drawing/2010/main" w="9525">
                   <a:solidFill>
                     <a:srgbClr val="000000"/>
                   </a:solidFill>
@@ -3132,7 +3135,7 @@
             </a:ln>
             <a:extLst>
               <a:ext uri="{91240B29-F687-4f45-9708-019B960494DF}">
-                <a14:hiddenLine xmlns:a14="http://schemas.microsoft.com/office/drawing/2010/main" xmlns="" w="9525">
+                <a14:hiddenLine xmlns="" xmlns:a14="http://schemas.microsoft.com/office/drawing/2010/main" w="9525">
                   <a:solidFill>
                     <a:srgbClr val="000000"/>
                   </a:solidFill>
@@ -3222,7 +3225,7 @@
             </a:ln>
             <a:extLst>
               <a:ext uri="{91240B29-F687-4f45-9708-019B960494DF}">
-                <a14:hiddenLine xmlns:a14="http://schemas.microsoft.com/office/drawing/2010/main" xmlns="" w="9525">
+                <a14:hiddenLine xmlns="" xmlns:a14="http://schemas.microsoft.com/office/drawing/2010/main" w="9525">
                   <a:solidFill>
                     <a:srgbClr val="000000"/>
                   </a:solidFill>
@@ -3256,7 +3259,7 @@
             </a:ln>
             <a:extLst>
               <a:ext uri="{91240B29-F687-4f45-9708-019B960494DF}">
-                <a14:hiddenLine xmlns:a14="http://schemas.microsoft.com/office/drawing/2010/main" xmlns="" w="9525">
+                <a14:hiddenLine xmlns="" xmlns:a14="http://schemas.microsoft.com/office/drawing/2010/main" w="9525">
                   <a:solidFill>
                     <a:srgbClr val="000000"/>
                   </a:solidFill>
@@ -3321,7 +3324,7 @@
             </a:ln>
             <a:extLst>
               <a:ext uri="{91240B29-F687-4f45-9708-019B960494DF}">
-                <a14:hiddenLine xmlns:a14="http://schemas.microsoft.com/office/drawing/2010/main" xmlns="" w="9525">
+                <a14:hiddenLine xmlns="" xmlns:a14="http://schemas.microsoft.com/office/drawing/2010/main" w="9525">
                   <a:solidFill>
                     <a:srgbClr val="000000"/>
                   </a:solidFill>
@@ -3411,7 +3414,7 @@
             </a:ln>
             <a:extLst>
               <a:ext uri="{91240B29-F687-4f45-9708-019B960494DF}">
-                <a14:hiddenLine xmlns:a14="http://schemas.microsoft.com/office/drawing/2010/main" xmlns="" w="9525">
+                <a14:hiddenLine xmlns="" xmlns:a14="http://schemas.microsoft.com/office/drawing/2010/main" w="9525">
                   <a:solidFill>
                     <a:srgbClr val="000000"/>
                   </a:solidFill>
@@ -3473,7 +3476,7 @@
             </a:ln>
             <a:extLst>
               <a:ext uri="{91240B29-F687-4f45-9708-019B960494DF}">
-                <a14:hiddenLine xmlns:a14="http://schemas.microsoft.com/office/drawing/2010/main" xmlns="" w="9525">
+                <a14:hiddenLine xmlns="" xmlns:a14="http://schemas.microsoft.com/office/drawing/2010/main" w="9525">
                   <a:solidFill>
                     <a:srgbClr val="000000"/>
                   </a:solidFill>
@@ -3563,7 +3566,7 @@
             </a:ln>
             <a:extLst>
               <a:ext uri="{91240B29-F687-4f45-9708-019B960494DF}">
-                <a14:hiddenLine xmlns:a14="http://schemas.microsoft.com/office/drawing/2010/main" xmlns="" w="9525">
+                <a14:hiddenLine xmlns="" xmlns:a14="http://schemas.microsoft.com/office/drawing/2010/main" w="9525">
                   <a:solidFill>
                     <a:srgbClr val="000000"/>
                   </a:solidFill>
@@ -3653,7 +3656,7 @@
             </a:ln>
             <a:extLst>
               <a:ext uri="{91240B29-F687-4f45-9708-019B960494DF}">
-                <a14:hiddenLine xmlns:a14="http://schemas.microsoft.com/office/drawing/2010/main" xmlns="" w="9525">
+                <a14:hiddenLine xmlns="" xmlns:a14="http://schemas.microsoft.com/office/drawing/2010/main" w="9525">
                   <a:solidFill>
                     <a:srgbClr val="000000"/>
                   </a:solidFill>
@@ -3718,7 +3721,7 @@
             </a:ln>
             <a:extLst>
               <a:ext uri="{91240B29-F687-4f45-9708-019B960494DF}">
-                <a14:hiddenLine xmlns:a14="http://schemas.microsoft.com/office/drawing/2010/main" xmlns="" w="9525">
+                <a14:hiddenLine xmlns="" xmlns:a14="http://schemas.microsoft.com/office/drawing/2010/main" w="9525">
                   <a:solidFill>
                     <a:srgbClr val="000000"/>
                   </a:solidFill>
@@ -3780,7 +3783,7 @@
             </a:ln>
             <a:extLst>
               <a:ext uri="{91240B29-F687-4f45-9708-019B960494DF}">
-                <a14:hiddenLine xmlns:a14="http://schemas.microsoft.com/office/drawing/2010/main" xmlns="" w="9525">
+                <a14:hiddenLine xmlns="" xmlns:a14="http://schemas.microsoft.com/office/drawing/2010/main" w="9525">
                   <a:solidFill>
                     <a:srgbClr val="000000"/>
                   </a:solidFill>
@@ -3870,7 +3873,7 @@
             </a:ln>
             <a:extLst>
               <a:ext uri="{91240B29-F687-4f45-9708-019B960494DF}">
-                <a14:hiddenLine xmlns:a14="http://schemas.microsoft.com/office/drawing/2010/main" xmlns="" w="9525">
+                <a14:hiddenLine xmlns="" xmlns:a14="http://schemas.microsoft.com/office/drawing/2010/main" w="9525">
                   <a:solidFill>
                     <a:srgbClr val="000000"/>
                   </a:solidFill>
@@ -3960,7 +3963,7 @@
             </a:ln>
             <a:extLst>
               <a:ext uri="{91240B29-F687-4f45-9708-019B960494DF}">
-                <a14:hiddenLine xmlns:a14="http://schemas.microsoft.com/office/drawing/2010/main" xmlns="" w="9525">
+                <a14:hiddenLine xmlns="" xmlns:a14="http://schemas.microsoft.com/office/drawing/2010/main" w="9525">
                   <a:solidFill>
                     <a:srgbClr val="000000"/>
                   </a:solidFill>
@@ -4022,7 +4025,7 @@
             </a:ln>
             <a:extLst>
               <a:ext uri="{91240B29-F687-4f45-9708-019B960494DF}">
-                <a14:hiddenLine xmlns:a14="http://schemas.microsoft.com/office/drawing/2010/main" xmlns="" w="9525">
+                <a14:hiddenLine xmlns="" xmlns:a14="http://schemas.microsoft.com/office/drawing/2010/main" w="9525">
                   <a:solidFill>
                     <a:srgbClr val="000000"/>
                   </a:solidFill>
@@ -4142,7 +4145,7 @@
             </a:ln>
             <a:extLst>
               <a:ext uri="{91240B29-F687-4f45-9708-019B960494DF}">
-                <a14:hiddenLine xmlns:a14="http://schemas.microsoft.com/office/drawing/2010/main" xmlns="" w="9525">
+                <a14:hiddenLine xmlns="" xmlns:a14="http://schemas.microsoft.com/office/drawing/2010/main" w="9525">
                   <a:solidFill>
                     <a:srgbClr val="000000"/>
                   </a:solidFill>
@@ -4210,7 +4213,7 @@
             </a:ln>
             <a:extLst>
               <a:ext uri="{91240B29-F687-4f45-9708-019B960494DF}">
-                <a14:hiddenLine xmlns:a14="http://schemas.microsoft.com/office/drawing/2010/main" xmlns="" w="9525">
+                <a14:hiddenLine xmlns="" xmlns:a14="http://schemas.microsoft.com/office/drawing/2010/main" w="9525">
                   <a:solidFill>
                     <a:srgbClr val="000000"/>
                   </a:solidFill>
@@ -4300,7 +4303,7 @@
             </a:ln>
             <a:extLst>
               <a:ext uri="{91240B29-F687-4f45-9708-019B960494DF}">
-                <a14:hiddenLine xmlns:a14="http://schemas.microsoft.com/office/drawing/2010/main" xmlns="" w="9525">
+                <a14:hiddenLine xmlns="" xmlns:a14="http://schemas.microsoft.com/office/drawing/2010/main" w="9525">
                   <a:solidFill>
                     <a:srgbClr val="000000"/>
                   </a:solidFill>
@@ -4441,7 +4444,7 @@
             <a:fld id="{B61BEF0D-F0BB-DE4B-95CE-6DB70DBA9567}" type="datetimeFigureOut">
               <a:rPr lang="en-US" smtClean="0"/>
               <a:pPr/>
-              <a:t>9/6/19</a:t>
+              <a:t>9/9/19</a:t>
             </a:fld>
             <a:endParaRPr lang="en-US" dirty="0"/>
           </a:p>
@@ -4710,7 +4713,7 @@
             <a:fld id="{B61BEF0D-F0BB-DE4B-95CE-6DB70DBA9567}" type="datetimeFigureOut">
               <a:rPr lang="en-US" smtClean="0"/>
               <a:pPr/>
-              <a:t>9/6/19</a:t>
+              <a:t>9/9/19</a:t>
             </a:fld>
             <a:endParaRPr lang="en-US" dirty="0"/>
           </a:p>
@@ -4908,7 +4911,7 @@
             <a:fld id="{B61BEF0D-F0BB-DE4B-95CE-6DB70DBA9567}" type="datetimeFigureOut">
               <a:rPr lang="en-US" smtClean="0"/>
               <a:pPr/>
-              <a:t>9/6/19</a:t>
+              <a:t>9/9/19</a:t>
             </a:fld>
             <a:endParaRPr lang="en-US" dirty="0"/>
           </a:p>
@@ -5173,7 +5176,7 @@
             <a:fld id="{B61BEF0D-F0BB-DE4B-95CE-6DB70DBA9567}" type="datetimeFigureOut">
               <a:rPr lang="en-US" smtClean="0"/>
               <a:pPr/>
-              <a:t>9/6/19</a:t>
+              <a:t>9/9/19</a:t>
             </a:fld>
             <a:endParaRPr lang="en-US" dirty="0"/>
           </a:p>
@@ -5609,7 +5612,7 @@
             <a:fld id="{B61BEF0D-F0BB-DE4B-95CE-6DB70DBA9567}" type="datetimeFigureOut">
               <a:rPr lang="en-US" smtClean="0"/>
               <a:pPr/>
-              <a:t>9/6/19</a:t>
+              <a:t>9/9/19</a:t>
             </a:fld>
             <a:endParaRPr lang="en-US" dirty="0"/>
           </a:p>
@@ -6157,7 +6160,7 @@
             <a:fld id="{B61BEF0D-F0BB-DE4B-95CE-6DB70DBA9567}" type="datetimeFigureOut">
               <a:rPr lang="en-US" smtClean="0"/>
               <a:pPr/>
-              <a:t>9/6/19</a:t>
+              <a:t>9/9/19</a:t>
             </a:fld>
             <a:endParaRPr lang="en-US" dirty="0"/>
           </a:p>
@@ -6879,7 +6882,7 @@
             <a:fld id="{B61BEF0D-F0BB-DE4B-95CE-6DB70DBA9567}" type="datetimeFigureOut">
               <a:rPr lang="en-US" smtClean="0"/>
               <a:pPr/>
-              <a:t>9/6/19</a:t>
+              <a:t>9/9/19</a:t>
             </a:fld>
             <a:endParaRPr lang="en-US" dirty="0"/>
           </a:p>
@@ -7051,7 +7054,7 @@
             <a:fld id="{B61BEF0D-F0BB-DE4B-95CE-6DB70DBA9567}" type="datetimeFigureOut">
               <a:rPr lang="en-US" smtClean="0"/>
               <a:pPr/>
-              <a:t>9/6/19</a:t>
+              <a:t>9/9/19</a:t>
             </a:fld>
             <a:endParaRPr lang="en-US" dirty="0"/>
           </a:p>
@@ -7233,7 +7236,7 @@
             <a:fld id="{B61BEF0D-F0BB-DE4B-95CE-6DB70DBA9567}" type="datetimeFigureOut">
               <a:rPr lang="en-US" smtClean="0"/>
               <a:pPr/>
-              <a:t>9/6/19</a:t>
+              <a:t>9/9/19</a:t>
             </a:fld>
             <a:endParaRPr lang="en-US" dirty="0"/>
           </a:p>
@@ -7422,7 +7425,7 @@
             <a:fld id="{B61BEF0D-F0BB-DE4B-95CE-6DB70DBA9567}" type="datetimeFigureOut">
               <a:rPr lang="en-US" smtClean="0"/>
               <a:pPr/>
-              <a:t>9/6/19</a:t>
+              <a:t>9/9/19</a:t>
             </a:fld>
             <a:endParaRPr lang="en-US" dirty="0"/>
           </a:p>
@@ -7674,7 +7677,7 @@
             <a:fld id="{B61BEF0D-F0BB-DE4B-95CE-6DB70DBA9567}" type="datetimeFigureOut">
               <a:rPr lang="en-US" smtClean="0"/>
               <a:pPr/>
-              <a:t>9/6/19</a:t>
+              <a:t>9/9/19</a:t>
             </a:fld>
             <a:endParaRPr lang="en-US" dirty="0"/>
           </a:p>
@@ -7908,7 +7911,7 @@
             <a:fld id="{B61BEF0D-F0BB-DE4B-95CE-6DB70DBA9567}" type="datetimeFigureOut">
               <a:rPr lang="en-US" smtClean="0"/>
               <a:pPr/>
-              <a:t>9/6/19</a:t>
+              <a:t>9/9/19</a:t>
             </a:fld>
             <a:endParaRPr lang="en-US" dirty="0"/>
           </a:p>
@@ -8295,7 +8298,7 @@
             <a:fld id="{B61BEF0D-F0BB-DE4B-95CE-6DB70DBA9567}" type="datetimeFigureOut">
               <a:rPr lang="en-US" smtClean="0"/>
               <a:pPr/>
-              <a:t>9/6/19</a:t>
+              <a:t>9/9/19</a:t>
             </a:fld>
             <a:endParaRPr lang="en-US" dirty="0"/>
           </a:p>
@@ -8415,7 +8418,7 @@
             <a:fld id="{B61BEF0D-F0BB-DE4B-95CE-6DB70DBA9567}" type="datetimeFigureOut">
               <a:rPr lang="en-US" smtClean="0"/>
               <a:pPr/>
-              <a:t>9/6/19</a:t>
+              <a:t>9/9/19</a:t>
             </a:fld>
             <a:endParaRPr lang="en-US" dirty="0"/>
           </a:p>
@@ -8512,7 +8515,7 @@
             <a:fld id="{B61BEF0D-F0BB-DE4B-95CE-6DB70DBA9567}" type="datetimeFigureOut">
               <a:rPr lang="en-US" smtClean="0"/>
               <a:pPr/>
-              <a:t>9/6/19</a:t>
+              <a:t>9/9/19</a:t>
             </a:fld>
             <a:endParaRPr lang="en-US" dirty="0"/>
           </a:p>
@@ -8763,7 +8766,7 @@
             <a:fld id="{B61BEF0D-F0BB-DE4B-95CE-6DB70DBA9567}" type="datetimeFigureOut">
               <a:rPr lang="en-US" smtClean="0"/>
               <a:pPr/>
-              <a:t>9/6/19</a:t>
+              <a:t>9/9/19</a:t>
             </a:fld>
             <a:endParaRPr lang="en-US" dirty="0"/>
           </a:p>
@@ -9050,7 +9053,7 @@
             <a:fld id="{B61BEF0D-F0BB-DE4B-95CE-6DB70DBA9567}" type="datetimeFigureOut">
               <a:rPr lang="en-US" smtClean="0"/>
               <a:pPr/>
-              <a:t>9/6/19</a:t>
+              <a:t>9/9/19</a:t>
             </a:fld>
             <a:endParaRPr lang="en-US" dirty="0"/>
           </a:p>
@@ -9174,7 +9177,7 @@
           <a:noFill/>
           <a:extLst>
             <a:ext uri="{909E8E84-426E-40dd-AFC4-6F175D3DCCD1}">
-              <a14:hiddenFill xmlns:a14="http://schemas.microsoft.com/office/drawing/2010/main" xmlns="">
+              <a14:hiddenFill xmlns="" xmlns:a14="http://schemas.microsoft.com/office/drawing/2010/main">
                 <a:solidFill>
                   <a:srgbClr val="FFFFFF"/>
                 </a:solidFill>
@@ -9248,7 +9251,7 @@
               </a:ln>
               <a:extLst>
                 <a:ext uri="{91240B29-F687-4f45-9708-019B960494DF}">
-                  <a14:hiddenLine xmlns:a14="http://schemas.microsoft.com/office/drawing/2010/main" xmlns="" w="9525">
+                  <a14:hiddenLine xmlns="" xmlns:a14="http://schemas.microsoft.com/office/drawing/2010/main" w="9525">
                     <a:solidFill>
                       <a:srgbClr val="000000"/>
                     </a:solidFill>
@@ -9338,7 +9341,7 @@
               </a:ln>
               <a:extLst>
                 <a:ext uri="{91240B29-F687-4f45-9708-019B960494DF}">
-                  <a14:hiddenLine xmlns:a14="http://schemas.microsoft.com/office/drawing/2010/main" xmlns="" w="9525">
+                  <a14:hiddenLine xmlns="" xmlns:a14="http://schemas.microsoft.com/office/drawing/2010/main" w="9525">
                     <a:solidFill>
                       <a:srgbClr val="000000"/>
                     </a:solidFill>
@@ -9428,7 +9431,7 @@
               </a:ln>
               <a:extLst>
                 <a:ext uri="{91240B29-F687-4f45-9708-019B960494DF}">
-                  <a14:hiddenLine xmlns:a14="http://schemas.microsoft.com/office/drawing/2010/main" xmlns="" w="9525">
+                  <a14:hiddenLine xmlns="" xmlns:a14="http://schemas.microsoft.com/office/drawing/2010/main" w="9525">
                     <a:solidFill>
                       <a:srgbClr val="000000"/>
                     </a:solidFill>
@@ -9490,7 +9493,7 @@
               </a:ln>
               <a:extLst>
                 <a:ext uri="{91240B29-F687-4f45-9708-019B960494DF}">
-                  <a14:hiddenLine xmlns:a14="http://schemas.microsoft.com/office/drawing/2010/main" xmlns="" w="9525">
+                  <a14:hiddenLine xmlns="" xmlns:a14="http://schemas.microsoft.com/office/drawing/2010/main" w="9525">
                     <a:solidFill>
                       <a:srgbClr val="000000"/>
                     </a:solidFill>
@@ -9580,7 +9583,7 @@
               </a:ln>
               <a:extLst>
                 <a:ext uri="{91240B29-F687-4f45-9708-019B960494DF}">
-                  <a14:hiddenLine xmlns:a14="http://schemas.microsoft.com/office/drawing/2010/main" xmlns="" w="9525">
+                  <a14:hiddenLine xmlns="" xmlns:a14="http://schemas.microsoft.com/office/drawing/2010/main" w="9525">
                     <a:solidFill>
                       <a:srgbClr val="000000"/>
                     </a:solidFill>
@@ -9642,7 +9645,7 @@
               </a:ln>
               <a:extLst>
                 <a:ext uri="{91240B29-F687-4f45-9708-019B960494DF}">
-                  <a14:hiddenLine xmlns:a14="http://schemas.microsoft.com/office/drawing/2010/main" xmlns="" w="9525">
+                  <a14:hiddenLine xmlns="" xmlns:a14="http://schemas.microsoft.com/office/drawing/2010/main" w="9525">
                     <a:solidFill>
                       <a:srgbClr val="000000"/>
                     </a:solidFill>
@@ -9704,7 +9707,7 @@
               </a:ln>
               <a:extLst>
                 <a:ext uri="{91240B29-F687-4f45-9708-019B960494DF}">
-                  <a14:hiddenLine xmlns:a14="http://schemas.microsoft.com/office/drawing/2010/main" xmlns="" w="9525">
+                  <a14:hiddenLine xmlns="" xmlns:a14="http://schemas.microsoft.com/office/drawing/2010/main" w="9525">
                     <a:solidFill>
                       <a:srgbClr val="000000"/>
                     </a:solidFill>
@@ -9794,7 +9797,7 @@
               </a:ln>
               <a:extLst>
                 <a:ext uri="{91240B29-F687-4f45-9708-019B960494DF}">
-                  <a14:hiddenLine xmlns:a14="http://schemas.microsoft.com/office/drawing/2010/main" xmlns="" w="9525">
+                  <a14:hiddenLine xmlns="" xmlns:a14="http://schemas.microsoft.com/office/drawing/2010/main" w="9525">
                     <a:solidFill>
                       <a:srgbClr val="000000"/>
                     </a:solidFill>
@@ -9884,7 +9887,7 @@
               </a:ln>
               <a:extLst>
                 <a:ext uri="{91240B29-F687-4f45-9708-019B960494DF}">
-                  <a14:hiddenLine xmlns:a14="http://schemas.microsoft.com/office/drawing/2010/main" xmlns="" w="9525">
+                  <a14:hiddenLine xmlns="" xmlns:a14="http://schemas.microsoft.com/office/drawing/2010/main" w="9525">
                     <a:solidFill>
                       <a:srgbClr val="000000"/>
                     </a:solidFill>
@@ -9946,7 +9949,7 @@
               </a:ln>
               <a:extLst>
                 <a:ext uri="{91240B29-F687-4f45-9708-019B960494DF}">
-                  <a14:hiddenLine xmlns:a14="http://schemas.microsoft.com/office/drawing/2010/main" xmlns="" w="9525">
+                  <a14:hiddenLine xmlns="" xmlns:a14="http://schemas.microsoft.com/office/drawing/2010/main" w="9525">
                     <a:solidFill>
                       <a:srgbClr val="000000"/>
                     </a:solidFill>
@@ -10056,7 +10059,7 @@
               </a:ln>
               <a:extLst>
                 <a:ext uri="{91240B29-F687-4f45-9708-019B960494DF}">
-                  <a14:hiddenLine xmlns:a14="http://schemas.microsoft.com/office/drawing/2010/main" xmlns="" w="9525">
+                  <a14:hiddenLine xmlns="" xmlns:a14="http://schemas.microsoft.com/office/drawing/2010/main" w="9525">
                     <a:solidFill>
                       <a:srgbClr val="000000"/>
                     </a:solidFill>
@@ -10140,7 +10143,7 @@
               </a:ln>
               <a:extLst>
                 <a:ext uri="{91240B29-F687-4f45-9708-019B960494DF}">
-                  <a14:hiddenLine xmlns:a14="http://schemas.microsoft.com/office/drawing/2010/main" xmlns="" w="9525">
+                  <a14:hiddenLine xmlns="" xmlns:a14="http://schemas.microsoft.com/office/drawing/2010/main" w="9525">
                     <a:solidFill>
                       <a:srgbClr val="000000"/>
                     </a:solidFill>
@@ -10202,7 +10205,7 @@
               </a:ln>
               <a:extLst>
                 <a:ext uri="{91240B29-F687-4f45-9708-019B960494DF}">
-                  <a14:hiddenLine xmlns:a14="http://schemas.microsoft.com/office/drawing/2010/main" xmlns="" w="9525">
+                  <a14:hiddenLine xmlns="" xmlns:a14="http://schemas.microsoft.com/office/drawing/2010/main" w="9525">
                     <a:solidFill>
                       <a:srgbClr val="000000"/>
                     </a:solidFill>
@@ -10264,7 +10267,7 @@
               </a:ln>
               <a:extLst>
                 <a:ext uri="{91240B29-F687-4f45-9708-019B960494DF}">
-                  <a14:hiddenLine xmlns:a14="http://schemas.microsoft.com/office/drawing/2010/main" xmlns="" w="9525">
+                  <a14:hiddenLine xmlns="" xmlns:a14="http://schemas.microsoft.com/office/drawing/2010/main" w="9525">
                     <a:solidFill>
                       <a:srgbClr val="000000"/>
                     </a:solidFill>
@@ -10354,7 +10357,7 @@
               </a:ln>
               <a:extLst>
                 <a:ext uri="{91240B29-F687-4f45-9708-019B960494DF}">
-                  <a14:hiddenLine xmlns:a14="http://schemas.microsoft.com/office/drawing/2010/main" xmlns="" w="9525">
+                  <a14:hiddenLine xmlns="" xmlns:a14="http://schemas.microsoft.com/office/drawing/2010/main" w="9525">
                     <a:solidFill>
                       <a:srgbClr val="000000"/>
                     </a:solidFill>
@@ -10388,7 +10391,7 @@
               </a:ln>
               <a:extLst>
                 <a:ext uri="{91240B29-F687-4f45-9708-019B960494DF}">
-                  <a14:hiddenLine xmlns:a14="http://schemas.microsoft.com/office/drawing/2010/main" xmlns="" w="9525">
+                  <a14:hiddenLine xmlns="" xmlns:a14="http://schemas.microsoft.com/office/drawing/2010/main" w="9525">
                     <a:solidFill>
                       <a:srgbClr val="000000"/>
                     </a:solidFill>
@@ -10453,7 +10456,7 @@
               </a:ln>
               <a:extLst>
                 <a:ext uri="{91240B29-F687-4f45-9708-019B960494DF}">
-                  <a14:hiddenLine xmlns:a14="http://schemas.microsoft.com/office/drawing/2010/main" xmlns="" w="9525">
+                  <a14:hiddenLine xmlns="" xmlns:a14="http://schemas.microsoft.com/office/drawing/2010/main" w="9525">
                     <a:solidFill>
                       <a:srgbClr val="000000"/>
                     </a:solidFill>
@@ -10543,7 +10546,7 @@
               </a:ln>
               <a:extLst>
                 <a:ext uri="{91240B29-F687-4f45-9708-019B960494DF}">
-                  <a14:hiddenLine xmlns:a14="http://schemas.microsoft.com/office/drawing/2010/main" xmlns="" w="9525">
+                  <a14:hiddenLine xmlns="" xmlns:a14="http://schemas.microsoft.com/office/drawing/2010/main" w="9525">
                     <a:solidFill>
                       <a:srgbClr val="000000"/>
                     </a:solidFill>
@@ -10605,7 +10608,7 @@
               </a:ln>
               <a:extLst>
                 <a:ext uri="{91240B29-F687-4f45-9708-019B960494DF}">
-                  <a14:hiddenLine xmlns:a14="http://schemas.microsoft.com/office/drawing/2010/main" xmlns="" w="9525">
+                  <a14:hiddenLine xmlns="" xmlns:a14="http://schemas.microsoft.com/office/drawing/2010/main" w="9525">
                     <a:solidFill>
                       <a:srgbClr val="000000"/>
                     </a:solidFill>
@@ -10695,7 +10698,7 @@
               </a:ln>
               <a:extLst>
                 <a:ext uri="{91240B29-F687-4f45-9708-019B960494DF}">
-                  <a14:hiddenLine xmlns:a14="http://schemas.microsoft.com/office/drawing/2010/main" xmlns="" w="9525">
+                  <a14:hiddenLine xmlns="" xmlns:a14="http://schemas.microsoft.com/office/drawing/2010/main" w="9525">
                     <a:solidFill>
                       <a:srgbClr val="000000"/>
                     </a:solidFill>
@@ -10760,7 +10763,7 @@
               </a:ln>
               <a:extLst>
                 <a:ext uri="{91240B29-F687-4f45-9708-019B960494DF}">
-                  <a14:hiddenLine xmlns:a14="http://schemas.microsoft.com/office/drawing/2010/main" xmlns="" w="9525">
+                  <a14:hiddenLine xmlns="" xmlns:a14="http://schemas.microsoft.com/office/drawing/2010/main" w="9525">
                     <a:solidFill>
                       <a:srgbClr val="000000"/>
                     </a:solidFill>
@@ -10822,7 +10825,7 @@
               </a:ln>
               <a:extLst>
                 <a:ext uri="{91240B29-F687-4f45-9708-019B960494DF}">
-                  <a14:hiddenLine xmlns:a14="http://schemas.microsoft.com/office/drawing/2010/main" xmlns="" w="9525">
+                  <a14:hiddenLine xmlns="" xmlns:a14="http://schemas.microsoft.com/office/drawing/2010/main" w="9525">
                     <a:solidFill>
                       <a:srgbClr val="000000"/>
                     </a:solidFill>
@@ -10912,7 +10915,7 @@
               </a:ln>
               <a:extLst>
                 <a:ext uri="{91240B29-F687-4f45-9708-019B960494DF}">
-                  <a14:hiddenLine xmlns:a14="http://schemas.microsoft.com/office/drawing/2010/main" xmlns="" w="9525">
+                  <a14:hiddenLine xmlns="" xmlns:a14="http://schemas.microsoft.com/office/drawing/2010/main" w="9525">
                     <a:solidFill>
                       <a:srgbClr val="000000"/>
                     </a:solidFill>
@@ -11002,7 +11005,7 @@
               </a:ln>
               <a:extLst>
                 <a:ext uri="{91240B29-F687-4f45-9708-019B960494DF}">
-                  <a14:hiddenLine xmlns:a14="http://schemas.microsoft.com/office/drawing/2010/main" xmlns="" w="9525">
+                  <a14:hiddenLine xmlns="" xmlns:a14="http://schemas.microsoft.com/office/drawing/2010/main" w="9525">
                     <a:solidFill>
                       <a:srgbClr val="000000"/>
                     </a:solidFill>
@@ -11067,7 +11070,7 @@
               </a:ln>
               <a:extLst>
                 <a:ext uri="{91240B29-F687-4f45-9708-019B960494DF}">
-                  <a14:hiddenLine xmlns:a14="http://schemas.microsoft.com/office/drawing/2010/main" xmlns="" w="9525">
+                  <a14:hiddenLine xmlns="" xmlns:a14="http://schemas.microsoft.com/office/drawing/2010/main" w="9525">
                     <a:solidFill>
                       <a:srgbClr val="000000"/>
                     </a:solidFill>
@@ -11187,7 +11190,7 @@
               </a:ln>
               <a:extLst>
                 <a:ext uri="{91240B29-F687-4f45-9708-019B960494DF}">
-                  <a14:hiddenLine xmlns:a14="http://schemas.microsoft.com/office/drawing/2010/main" xmlns="" w="9525">
+                  <a14:hiddenLine xmlns="" xmlns:a14="http://schemas.microsoft.com/office/drawing/2010/main" w="9525">
                     <a:solidFill>
                       <a:srgbClr val="000000"/>
                     </a:solidFill>
@@ -11268,7 +11271,7 @@
               </a:ln>
               <a:extLst>
                 <a:ext uri="{91240B29-F687-4f45-9708-019B960494DF}">
-                  <a14:hiddenLine xmlns:a14="http://schemas.microsoft.com/office/drawing/2010/main" xmlns="" w="9525">
+                  <a14:hiddenLine xmlns="" xmlns:a14="http://schemas.microsoft.com/office/drawing/2010/main" w="9525">
                     <a:solidFill>
                       <a:srgbClr val="000000"/>
                     </a:solidFill>
@@ -11383,7 +11386,7 @@
               </a:ln>
               <a:extLst>
                 <a:ext uri="{91240B29-F687-4f45-9708-019B960494DF}">
-                  <a14:hiddenLine xmlns:a14="http://schemas.microsoft.com/office/drawing/2010/main" xmlns="" w="9525">
+                  <a14:hiddenLine xmlns="" xmlns:a14="http://schemas.microsoft.com/office/drawing/2010/main" w="9525">
                     <a:solidFill>
                       <a:srgbClr val="000000"/>
                     </a:solidFill>
@@ -11473,7 +11476,7 @@
               </a:ln>
               <a:extLst>
                 <a:ext uri="{91240B29-F687-4f45-9708-019B960494DF}">
-                  <a14:hiddenLine xmlns:a14="http://schemas.microsoft.com/office/drawing/2010/main" xmlns="" w="9525">
+                  <a14:hiddenLine xmlns="" xmlns:a14="http://schemas.microsoft.com/office/drawing/2010/main" w="9525">
                     <a:solidFill>
                       <a:srgbClr val="000000"/>
                     </a:solidFill>
@@ -11538,7 +11541,7 @@
               </a:ln>
               <a:extLst>
                 <a:ext uri="{91240B29-F687-4f45-9708-019B960494DF}">
-                  <a14:hiddenLine xmlns:a14="http://schemas.microsoft.com/office/drawing/2010/main" xmlns="" w="9525">
+                  <a14:hiddenLine xmlns="" xmlns:a14="http://schemas.microsoft.com/office/drawing/2010/main" w="9525">
                     <a:solidFill>
                       <a:srgbClr val="000000"/>
                     </a:solidFill>
@@ -11628,7 +11631,7 @@
               </a:ln>
               <a:extLst>
                 <a:ext uri="{91240B29-F687-4f45-9708-019B960494DF}">
-                  <a14:hiddenLine xmlns:a14="http://schemas.microsoft.com/office/drawing/2010/main" xmlns="" w="9525">
+                  <a14:hiddenLine xmlns="" xmlns:a14="http://schemas.microsoft.com/office/drawing/2010/main" w="9525">
                     <a:solidFill>
                       <a:srgbClr val="000000"/>
                     </a:solidFill>
@@ -11696,7 +11699,7 @@
               </a:ln>
               <a:extLst>
                 <a:ext uri="{91240B29-F687-4f45-9708-019B960494DF}">
-                  <a14:hiddenLine xmlns:a14="http://schemas.microsoft.com/office/drawing/2010/main" xmlns="" w="9525">
+                  <a14:hiddenLine xmlns="" xmlns:a14="http://schemas.microsoft.com/office/drawing/2010/main" w="9525">
                     <a:solidFill>
                       <a:srgbClr val="000000"/>
                     </a:solidFill>
@@ -11786,7 +11789,7 @@
               </a:ln>
               <a:extLst>
                 <a:ext uri="{91240B29-F687-4f45-9708-019B960494DF}">
-                  <a14:hiddenLine xmlns:a14="http://schemas.microsoft.com/office/drawing/2010/main" xmlns="" w="9525">
+                  <a14:hiddenLine xmlns="" xmlns:a14="http://schemas.microsoft.com/office/drawing/2010/main" w="9525">
                     <a:solidFill>
                       <a:srgbClr val="000000"/>
                     </a:solidFill>
@@ -11854,7 +11857,7 @@
               </a:ln>
               <a:extLst>
                 <a:ext uri="{91240B29-F687-4f45-9708-019B960494DF}">
-                  <a14:hiddenLine xmlns:a14="http://schemas.microsoft.com/office/drawing/2010/main" xmlns="" w="9525">
+                  <a14:hiddenLine xmlns="" xmlns:a14="http://schemas.microsoft.com/office/drawing/2010/main" w="9525">
                     <a:solidFill>
                       <a:srgbClr val="000000"/>
                     </a:solidFill>
@@ -11944,7 +11947,7 @@
               </a:ln>
               <a:extLst>
                 <a:ext uri="{91240B29-F687-4f45-9708-019B960494DF}">
-                  <a14:hiddenLine xmlns:a14="http://schemas.microsoft.com/office/drawing/2010/main" xmlns="" w="9525">
+                  <a14:hiddenLine xmlns="" xmlns:a14="http://schemas.microsoft.com/office/drawing/2010/main" w="9525">
                     <a:solidFill>
                       <a:srgbClr val="000000"/>
                     </a:solidFill>
@@ -11978,7 +11981,7 @@
               </a:ln>
               <a:extLst>
                 <a:ext uri="{91240B29-F687-4f45-9708-019B960494DF}">
-                  <a14:hiddenLine xmlns:a14="http://schemas.microsoft.com/office/drawing/2010/main" xmlns="" w="9525">
+                  <a14:hiddenLine xmlns="" xmlns:a14="http://schemas.microsoft.com/office/drawing/2010/main" w="9525">
                     <a:solidFill>
                       <a:srgbClr val="000000"/>
                     </a:solidFill>
@@ -12118,7 +12121,7 @@
             <a:fld id="{B61BEF0D-F0BB-DE4B-95CE-6DB70DBA9567}" type="datetimeFigureOut">
               <a:rPr lang="en-US" smtClean="0"/>
               <a:pPr/>
-              <a:t>9/6/19</a:t>
+              <a:t>9/9/19</a:t>
             </a:fld>
             <a:endParaRPr lang="en-US" dirty="0"/>
           </a:p>
@@ -13141,6 +13144,340 @@
           <p:cNvPr id="2" name="Title 1">
             <a:extLst>
               <a:ext uri="{FF2B5EF4-FFF2-40B4-BE49-F238E27FC236}">
+                <a16:creationId xmlns:a16="http://schemas.microsoft.com/office/drawing/2014/main" id="{DF7C395F-0D1F-0D40-A52F-38E97795FE73}"/>
+              </a:ext>
+            </a:extLst>
+          </p:cNvPr>
+          <p:cNvSpPr>
+            <a:spLocks noGrp="1"/>
+          </p:cNvSpPr>
+          <p:nvPr>
+            <p:ph type="title"/>
+          </p:nvPr>
+        </p:nvSpPr>
+        <p:spPr/>
+        <p:txBody>
+          <a:bodyPr/>
+          <a:lstStyle/>
+          <a:p>
+            <a:r>
+              <a:rPr lang="en-US" dirty="0"/>
+              <a:t>UP versus Agile</a:t>
+            </a:r>
+          </a:p>
+        </p:txBody>
+      </p:sp>
+      <p:sp>
+        <p:nvSpPr>
+          <p:cNvPr id="3" name="Content Placeholder 2">
+            <a:extLst>
+              <a:ext uri="{FF2B5EF4-FFF2-40B4-BE49-F238E27FC236}">
+                <a16:creationId xmlns:a16="http://schemas.microsoft.com/office/drawing/2014/main" id="{886131EC-9C84-9C4A-902A-66B98D1172C0}"/>
+              </a:ext>
+            </a:extLst>
+          </p:cNvPr>
+          <p:cNvSpPr>
+            <a:spLocks noGrp="1"/>
+          </p:cNvSpPr>
+          <p:nvPr>
+            <p:ph idx="1"/>
+          </p:nvPr>
+        </p:nvSpPr>
+        <p:spPr/>
+        <p:txBody>
+          <a:bodyPr>
+            <a:normAutofit fontScale="77500" lnSpcReduction="20000"/>
+          </a:bodyPr>
+          <a:lstStyle/>
+          <a:p>
+            <a:pPr marL="0" indent="0">
+              <a:buNone/>
+            </a:pPr>
+            <a:r>
+              <a:rPr lang="en-US" i="1" dirty="0"/>
+              <a:t>The Agile Manifesto</a:t>
+            </a:r>
+          </a:p>
+          <a:p>
+            <a:pPr marL="0" indent="0">
+              <a:buNone/>
+            </a:pPr>
+            <a:r>
+              <a:rPr lang="en-US" dirty="0"/>
+              <a:t>"We are uncovering better ways of developing software by doing it and helping others do it. Through this work we have come to value:"</a:t>
+            </a:r>
+          </a:p>
+          <a:p>
+            <a:r>
+              <a:rPr lang="en-US" dirty="0"/>
+              <a:t>Individuals and interactions over processes and tools</a:t>
+            </a:r>
+          </a:p>
+          <a:p>
+            <a:r>
+              <a:rPr lang="en-US" dirty="0"/>
+              <a:t>Working software over comprehensive documentation</a:t>
+            </a:r>
+          </a:p>
+          <a:p>
+            <a:r>
+              <a:rPr lang="en-US" dirty="0"/>
+              <a:t>Customer collaboration over contract negotiation</a:t>
+            </a:r>
+          </a:p>
+          <a:p>
+            <a:r>
+              <a:rPr lang="en-US" dirty="0"/>
+              <a:t>Responding to change over following a plan</a:t>
+            </a:r>
+          </a:p>
+          <a:p>
+            <a:endParaRPr lang="en-US" dirty="0"/>
+          </a:p>
+        </p:txBody>
+      </p:sp>
+    </p:spTree>
+    <p:extLst>
+      <p:ext uri="{BB962C8B-B14F-4D97-AF65-F5344CB8AC3E}">
+        <p14:creationId xmlns:p14="http://schemas.microsoft.com/office/powerpoint/2010/main" val="1205070607"/>
+      </p:ext>
+    </p:extLst>
+  </p:cSld>
+  <p:clrMapOvr>
+    <a:masterClrMapping/>
+  </p:clrMapOvr>
+</p:sld>
+</file>
+
+<file path=ppt/slides/slide15.xml><?xml version="1.0" encoding="utf-8"?>
+<p:sld xmlns:a="http://schemas.openxmlformats.org/drawingml/2006/main" xmlns:r="http://schemas.openxmlformats.org/officeDocument/2006/relationships" xmlns:p="http://schemas.openxmlformats.org/presentationml/2006/main">
+  <p:cSld>
+    <p:spTree>
+      <p:nvGrpSpPr>
+        <p:cNvPr id="1" name=""/>
+        <p:cNvGrpSpPr/>
+        <p:nvPr/>
+      </p:nvGrpSpPr>
+      <p:grpSpPr>
+        <a:xfrm>
+          <a:off x="0" y="0"/>
+          <a:ext cx="0" cy="0"/>
+          <a:chOff x="0" y="0"/>
+          <a:chExt cx="0" cy="0"/>
+        </a:xfrm>
+      </p:grpSpPr>
+      <p:sp>
+        <p:nvSpPr>
+          <p:cNvPr id="2" name="Title 1">
+            <a:extLst>
+              <a:ext uri="{FF2B5EF4-FFF2-40B4-BE49-F238E27FC236}">
+                <a16:creationId xmlns:a16="http://schemas.microsoft.com/office/drawing/2014/main" id="{A981A8E5-B989-0A46-AAFD-1AA000498B5C}"/>
+              </a:ext>
+            </a:extLst>
+          </p:cNvPr>
+          <p:cNvSpPr>
+            <a:spLocks noGrp="1"/>
+          </p:cNvSpPr>
+          <p:nvPr>
+            <p:ph type="title"/>
+          </p:nvPr>
+        </p:nvSpPr>
+        <p:spPr/>
+        <p:txBody>
+          <a:bodyPr/>
+          <a:lstStyle/>
+          <a:p>
+            <a:r>
+              <a:rPr lang="en-US" dirty="0"/>
+              <a:t>Agile software development with scrum</a:t>
+            </a:r>
+          </a:p>
+        </p:txBody>
+      </p:sp>
+      <p:pic>
+        <p:nvPicPr>
+          <p:cNvPr id="5" name="Picture 4">
+            <a:extLst>
+              <a:ext uri="{FF2B5EF4-FFF2-40B4-BE49-F238E27FC236}">
+                <a16:creationId xmlns:a16="http://schemas.microsoft.com/office/drawing/2014/main" id="{58DF439A-92A5-324A-8D73-F14DF57B45AF}"/>
+              </a:ext>
+            </a:extLst>
+          </p:cNvPr>
+          <p:cNvPicPr>
+            <a:picLocks noChangeAspect="1"/>
+          </p:cNvPicPr>
+          <p:nvPr/>
+        </p:nvPicPr>
+        <p:blipFill>
+          <a:blip r:embed="rId2"/>
+          <a:stretch>
+            <a:fillRect/>
+          </a:stretch>
+        </p:blipFill>
+        <p:spPr>
+          <a:xfrm>
+            <a:off x="1141413" y="1811338"/>
+            <a:ext cx="10147300" cy="4711700"/>
+          </a:xfrm>
+          <a:prstGeom prst="rect">
+            <a:avLst/>
+          </a:prstGeom>
+          <a:solidFill>
+            <a:schemeClr val="accent2">
+              <a:lumMod val="20000"/>
+              <a:lumOff val="80000"/>
+            </a:schemeClr>
+          </a:solidFill>
+        </p:spPr>
+      </p:pic>
+    </p:spTree>
+    <p:extLst>
+      <p:ext uri="{BB962C8B-B14F-4D97-AF65-F5344CB8AC3E}">
+        <p14:creationId xmlns:p14="http://schemas.microsoft.com/office/powerpoint/2010/main" val="2815455822"/>
+      </p:ext>
+    </p:extLst>
+  </p:cSld>
+  <p:clrMapOvr>
+    <a:masterClrMapping/>
+  </p:clrMapOvr>
+</p:sld>
+</file>
+
+<file path=ppt/slides/slide16.xml><?xml version="1.0" encoding="utf-8"?>
+<p:sld xmlns:a="http://schemas.openxmlformats.org/drawingml/2006/main" xmlns:r="http://schemas.openxmlformats.org/officeDocument/2006/relationships" xmlns:p="http://schemas.openxmlformats.org/presentationml/2006/main">
+  <p:cSld>
+    <p:spTree>
+      <p:nvGrpSpPr>
+        <p:cNvPr id="1" name=""/>
+        <p:cNvGrpSpPr/>
+        <p:nvPr/>
+      </p:nvGrpSpPr>
+      <p:grpSpPr>
+        <a:xfrm>
+          <a:off x="0" y="0"/>
+          <a:ext cx="0" cy="0"/>
+          <a:chOff x="0" y="0"/>
+          <a:chExt cx="0" cy="0"/>
+        </a:xfrm>
+      </p:grpSpPr>
+      <p:sp>
+        <p:nvSpPr>
+          <p:cNvPr id="2" name="Title 1">
+            <a:extLst>
+              <a:ext uri="{FF2B5EF4-FFF2-40B4-BE49-F238E27FC236}">
+                <a16:creationId xmlns:a16="http://schemas.microsoft.com/office/drawing/2014/main" id="{BDF82E6D-3091-3C48-8B6D-65D3423F8B9F}"/>
+              </a:ext>
+            </a:extLst>
+          </p:cNvPr>
+          <p:cNvSpPr>
+            <a:spLocks noGrp="1"/>
+          </p:cNvSpPr>
+          <p:nvPr>
+            <p:ph type="title"/>
+          </p:nvPr>
+        </p:nvSpPr>
+        <p:spPr/>
+        <p:txBody>
+          <a:bodyPr/>
+          <a:lstStyle/>
+          <a:p>
+            <a:r>
+              <a:rPr lang="en-US" dirty="0"/>
+              <a:t>UP vs Agile</a:t>
+            </a:r>
+          </a:p>
+        </p:txBody>
+      </p:sp>
+      <p:sp>
+        <p:nvSpPr>
+          <p:cNvPr id="3" name="Content Placeholder 2">
+            <a:extLst>
+              <a:ext uri="{FF2B5EF4-FFF2-40B4-BE49-F238E27FC236}">
+                <a16:creationId xmlns:a16="http://schemas.microsoft.com/office/drawing/2014/main" id="{BCD8A1BD-FF80-A74D-8D6A-E19A93928701}"/>
+              </a:ext>
+            </a:extLst>
+          </p:cNvPr>
+          <p:cNvSpPr>
+            <a:spLocks noGrp="1"/>
+          </p:cNvSpPr>
+          <p:nvPr>
+            <p:ph idx="1"/>
+          </p:nvPr>
+        </p:nvSpPr>
+        <p:spPr>
+          <a:xfrm>
+            <a:off x="1141412" y="1885950"/>
+            <a:ext cx="9905999" cy="4300537"/>
+          </a:xfrm>
+        </p:spPr>
+        <p:txBody>
+          <a:bodyPr>
+            <a:normAutofit/>
+          </a:bodyPr>
+          <a:lstStyle/>
+          <a:p>
+            <a:r>
+              <a:rPr lang="en-US" dirty="0"/>
+              <a:t>UP is an iterative top down approach</a:t>
+            </a:r>
+          </a:p>
+          <a:p>
+            <a:pPr lvl="1"/>
+            <a:r>
+              <a:rPr lang="en-US" dirty="0"/>
+              <a:t>The aim of UP is to minimize change by carefully thinking about requirements and design before implementing anything</a:t>
+            </a:r>
+          </a:p>
+          <a:p>
+            <a:r>
+              <a:rPr lang="en-US" dirty="0"/>
+              <a:t>Agile is an iterative top down, bottom up approach</a:t>
+            </a:r>
+          </a:p>
+          <a:p>
+            <a:pPr lvl="1"/>
+            <a:r>
+              <a:rPr lang="en-US" dirty="0"/>
+              <a:t>The aim of Agile is to minimize work for developers, by releasing prototypes quickly and involving the users in each iteration</a:t>
+            </a:r>
+          </a:p>
+        </p:txBody>
+      </p:sp>
+    </p:spTree>
+    <p:extLst>
+      <p:ext uri="{BB962C8B-B14F-4D97-AF65-F5344CB8AC3E}">
+        <p14:creationId xmlns:p14="http://schemas.microsoft.com/office/powerpoint/2010/main" val="2425024934"/>
+      </p:ext>
+    </p:extLst>
+  </p:cSld>
+  <p:clrMapOvr>
+    <a:masterClrMapping/>
+  </p:clrMapOvr>
+</p:sld>
+</file>
+
+<file path=ppt/slides/slide17.xml><?xml version="1.0" encoding="utf-8"?>
+<p:sld xmlns:a="http://schemas.openxmlformats.org/drawingml/2006/main" xmlns:r="http://schemas.openxmlformats.org/officeDocument/2006/relationships" xmlns:p="http://schemas.openxmlformats.org/presentationml/2006/main">
+  <p:cSld>
+    <p:spTree>
+      <p:nvGrpSpPr>
+        <p:cNvPr id="1" name=""/>
+        <p:cNvGrpSpPr/>
+        <p:nvPr/>
+      </p:nvGrpSpPr>
+      <p:grpSpPr>
+        <a:xfrm>
+          <a:off x="0" y="0"/>
+          <a:ext cx="0" cy="0"/>
+          <a:chOff x="0" y="0"/>
+          <a:chExt cx="0" cy="0"/>
+        </a:xfrm>
+      </p:grpSpPr>
+      <p:sp>
+        <p:nvSpPr>
+          <p:cNvPr id="2" name="Title 1">
+            <a:extLst>
+              <a:ext uri="{FF2B5EF4-FFF2-40B4-BE49-F238E27FC236}">
                 <a16:creationId xmlns:a16="http://schemas.microsoft.com/office/drawing/2014/main" id="{90D86FC9-4057-9646-94FC-3324425818B3}"/>
               </a:ext>
             </a:extLst>
@@ -13219,7 +13556,7 @@
 </p:sld>
 </file>
 
-<file path=ppt/slides/slide15.xml><?xml version="1.0" encoding="utf-8"?>
+<file path=ppt/slides/slide18.xml><?xml version="1.0" encoding="utf-8"?>
 <p:sld xmlns:a="http://schemas.openxmlformats.org/drawingml/2006/main" xmlns:r="http://schemas.openxmlformats.org/officeDocument/2006/relationships" xmlns:p="http://schemas.openxmlformats.org/presentationml/2006/main">
   <p:cSld>
     <p:spTree>
@@ -13307,324 +13644,6 @@
 </p:sld>
 </file>
 
-<file path=ppt/slides/slide16.xml><?xml version="1.0" encoding="utf-8"?>
-<p:sld xmlns:a="http://schemas.openxmlformats.org/drawingml/2006/main" xmlns:r="http://schemas.openxmlformats.org/officeDocument/2006/relationships" xmlns:p="http://schemas.openxmlformats.org/presentationml/2006/main">
-  <p:cSld>
-    <p:spTree>
-      <p:nvGrpSpPr>
-        <p:cNvPr id="1" name=""/>
-        <p:cNvGrpSpPr/>
-        <p:nvPr/>
-      </p:nvGrpSpPr>
-      <p:grpSpPr>
-        <a:xfrm>
-          <a:off x="0" y="0"/>
-          <a:ext cx="0" cy="0"/>
-          <a:chOff x="0" y="0"/>
-          <a:chExt cx="0" cy="0"/>
-        </a:xfrm>
-      </p:grpSpPr>
-      <p:sp>
-        <p:nvSpPr>
-          <p:cNvPr id="2" name="Title 1">
-            <a:extLst>
-              <a:ext uri="{FF2B5EF4-FFF2-40B4-BE49-F238E27FC236}">
-                <a16:creationId xmlns:a16="http://schemas.microsoft.com/office/drawing/2014/main" id="{5F035E3F-4D43-7A4C-820B-AB28ABE39300}"/>
-              </a:ext>
-            </a:extLst>
-          </p:cNvPr>
-          <p:cNvSpPr>
-            <a:spLocks noGrp="1"/>
-          </p:cNvSpPr>
-          <p:nvPr>
-            <p:ph type="title"/>
-          </p:nvPr>
-        </p:nvSpPr>
-        <p:spPr/>
-        <p:txBody>
-          <a:bodyPr/>
-          <a:lstStyle/>
-          <a:p>
-            <a:r>
-              <a:rPr lang="en-US" dirty="0"/>
-              <a:t>Inception</a:t>
-            </a:r>
-          </a:p>
-        </p:txBody>
-      </p:sp>
-      <p:sp>
-        <p:nvSpPr>
-          <p:cNvPr id="3" name="Content Placeholder 2">
-            <a:extLst>
-              <a:ext uri="{FF2B5EF4-FFF2-40B4-BE49-F238E27FC236}">
-                <a16:creationId xmlns:a16="http://schemas.microsoft.com/office/drawing/2014/main" id="{D33A8DF1-7B5D-9748-A24C-ED6E24045B00}"/>
-              </a:ext>
-            </a:extLst>
-          </p:cNvPr>
-          <p:cNvSpPr>
-            <a:spLocks noGrp="1"/>
-          </p:cNvSpPr>
-          <p:nvPr>
-            <p:ph idx="1"/>
-          </p:nvPr>
-        </p:nvSpPr>
-        <p:spPr/>
-        <p:txBody>
-          <a:bodyPr>
-            <a:normAutofit/>
-          </a:bodyPr>
-          <a:lstStyle/>
-          <a:p>
-            <a:r>
-              <a:rPr lang="en-US" dirty="0"/>
-              <a:t>Envision the product scope, vision, and business case</a:t>
-            </a:r>
-          </a:p>
-          <a:p>
-            <a:r>
-              <a:rPr lang="en-US" dirty="0"/>
-              <a:t>Upon completion, the stakeholders have a basic agreement on the vision of the project and are able to decide whether to continue or not</a:t>
-            </a:r>
-          </a:p>
-          <a:p>
-            <a:r>
-              <a:rPr lang="en-US" dirty="0"/>
-              <a:t>It typically only lasts a few weeks</a:t>
-            </a:r>
-          </a:p>
-        </p:txBody>
-      </p:sp>
-    </p:spTree>
-    <p:extLst>
-      <p:ext uri="{BB962C8B-B14F-4D97-AF65-F5344CB8AC3E}">
-        <p14:creationId xmlns:p14="http://schemas.microsoft.com/office/powerpoint/2010/main" val="3280420826"/>
-      </p:ext>
-    </p:extLst>
-  </p:cSld>
-  <p:clrMapOvr>
-    <a:masterClrMapping/>
-  </p:clrMapOvr>
-</p:sld>
-</file>
-
-<file path=ppt/slides/slide17.xml><?xml version="1.0" encoding="utf-8"?>
-<p:sld xmlns:a="http://schemas.openxmlformats.org/drawingml/2006/main" xmlns:r="http://schemas.openxmlformats.org/officeDocument/2006/relationships" xmlns:p="http://schemas.openxmlformats.org/presentationml/2006/main">
-  <p:cSld>
-    <p:spTree>
-      <p:nvGrpSpPr>
-        <p:cNvPr id="1" name=""/>
-        <p:cNvGrpSpPr/>
-        <p:nvPr/>
-      </p:nvGrpSpPr>
-      <p:grpSpPr>
-        <a:xfrm>
-          <a:off x="0" y="0"/>
-          <a:ext cx="0" cy="0"/>
-          <a:chOff x="0" y="0"/>
-          <a:chExt cx="0" cy="0"/>
-        </a:xfrm>
-      </p:grpSpPr>
-      <p:sp>
-        <p:nvSpPr>
-          <p:cNvPr id="2" name="Title 1">
-            <a:extLst>
-              <a:ext uri="{FF2B5EF4-FFF2-40B4-BE49-F238E27FC236}">
-                <a16:creationId xmlns:a16="http://schemas.microsoft.com/office/drawing/2014/main" id="{532C10DC-7EC0-9443-BF42-2E8DD8374D5B}"/>
-              </a:ext>
-            </a:extLst>
-          </p:cNvPr>
-          <p:cNvSpPr>
-            <a:spLocks noGrp="1"/>
-          </p:cNvSpPr>
-          <p:nvPr>
-            <p:ph type="title"/>
-          </p:nvPr>
-        </p:nvSpPr>
-        <p:spPr/>
-        <p:txBody>
-          <a:bodyPr/>
-          <a:lstStyle/>
-          <a:p>
-            <a:r>
-              <a:rPr lang="en-US" dirty="0"/>
-              <a:t>Inception – Artifacts</a:t>
-            </a:r>
-          </a:p>
-        </p:txBody>
-      </p:sp>
-      <p:sp>
-        <p:nvSpPr>
-          <p:cNvPr id="3" name="Content Placeholder 2">
-            <a:extLst>
-              <a:ext uri="{FF2B5EF4-FFF2-40B4-BE49-F238E27FC236}">
-                <a16:creationId xmlns:a16="http://schemas.microsoft.com/office/drawing/2014/main" id="{C26CC0C9-1127-3840-BD95-C8260103B0DC}"/>
-              </a:ext>
-            </a:extLst>
-          </p:cNvPr>
-          <p:cNvSpPr>
-            <a:spLocks noGrp="1"/>
-          </p:cNvSpPr>
-          <p:nvPr>
-            <p:ph idx="1"/>
-          </p:nvPr>
-        </p:nvSpPr>
-        <p:spPr/>
-        <p:txBody>
-          <a:bodyPr>
-            <a:normAutofit fontScale="70000" lnSpcReduction="20000"/>
-          </a:bodyPr>
-          <a:lstStyle/>
-          <a:p>
-            <a:r>
-              <a:rPr lang="en-US" dirty="0"/>
-              <a:t>A vision document - what is the general vision of the project and what are the key features and constraints?</a:t>
-            </a:r>
-          </a:p>
-          <a:p>
-            <a:r>
-              <a:rPr lang="en-US" dirty="0"/>
-              <a:t>A initial list of use-cases - how will end-users interact with the system?</a:t>
-            </a:r>
-          </a:p>
-          <a:p>
-            <a:r>
-              <a:rPr lang="en-US" dirty="0"/>
-              <a:t>An initial project glossary - what is some of the domain-specific lingo?</a:t>
-            </a:r>
-          </a:p>
-          <a:p>
-            <a:r>
-              <a:rPr lang="en-US" dirty="0"/>
-              <a:t>An initial business case - how will we make money?</a:t>
-            </a:r>
-          </a:p>
-          <a:p>
-            <a:r>
-              <a:rPr lang="en-US" dirty="0"/>
-              <a:t>An initial risk assessment - what might go wrong?</a:t>
-            </a:r>
-          </a:p>
-          <a:p>
-            <a:r>
-              <a:rPr lang="en-US" dirty="0"/>
-              <a:t>A project plan, showing phases and iterations - how will we move forward?</a:t>
-            </a:r>
-          </a:p>
-          <a:p>
-            <a:r>
-              <a:rPr lang="en-US" dirty="0"/>
-              <a:t>One or several prototype experiments</a:t>
-            </a:r>
-          </a:p>
-        </p:txBody>
-      </p:sp>
-    </p:spTree>
-    <p:extLst>
-      <p:ext uri="{BB962C8B-B14F-4D97-AF65-F5344CB8AC3E}">
-        <p14:creationId xmlns:p14="http://schemas.microsoft.com/office/powerpoint/2010/main" val="2937950087"/>
-      </p:ext>
-    </p:extLst>
-  </p:cSld>
-  <p:clrMapOvr>
-    <a:masterClrMapping/>
-  </p:clrMapOvr>
-</p:sld>
-</file>
-
-<file path=ppt/slides/slide18.xml><?xml version="1.0" encoding="utf-8"?>
-<p:sld xmlns:a="http://schemas.openxmlformats.org/drawingml/2006/main" xmlns:r="http://schemas.openxmlformats.org/officeDocument/2006/relationships" xmlns:p="http://schemas.openxmlformats.org/presentationml/2006/main">
-  <p:cSld>
-    <p:spTree>
-      <p:nvGrpSpPr>
-        <p:cNvPr id="1" name=""/>
-        <p:cNvGrpSpPr/>
-        <p:nvPr/>
-      </p:nvGrpSpPr>
-      <p:grpSpPr>
-        <a:xfrm>
-          <a:off x="0" y="0"/>
-          <a:ext cx="0" cy="0"/>
-          <a:chOff x="0" y="0"/>
-          <a:chExt cx="0" cy="0"/>
-        </a:xfrm>
-      </p:grpSpPr>
-      <p:sp>
-        <p:nvSpPr>
-          <p:cNvPr id="2" name="Title 1">
-            <a:extLst>
-              <a:ext uri="{FF2B5EF4-FFF2-40B4-BE49-F238E27FC236}">
-                <a16:creationId xmlns:a16="http://schemas.microsoft.com/office/drawing/2014/main" id="{8B0F584B-70DF-8C47-A3F8-8CF9E9B5E661}"/>
-              </a:ext>
-            </a:extLst>
-          </p:cNvPr>
-          <p:cNvSpPr>
-            <a:spLocks noGrp="1"/>
-          </p:cNvSpPr>
-          <p:nvPr>
-            <p:ph type="title"/>
-          </p:nvPr>
-        </p:nvSpPr>
-        <p:spPr/>
-        <p:txBody>
-          <a:bodyPr/>
-          <a:lstStyle/>
-          <a:p>
-            <a:r>
-              <a:rPr lang="en-US" dirty="0"/>
-              <a:t>Inception – what it is and what it isn’t</a:t>
-            </a:r>
-          </a:p>
-        </p:txBody>
-      </p:sp>
-      <p:sp>
-        <p:nvSpPr>
-          <p:cNvPr id="3" name="Content Placeholder 2">
-            <a:extLst>
-              <a:ext uri="{FF2B5EF4-FFF2-40B4-BE49-F238E27FC236}">
-                <a16:creationId xmlns:a16="http://schemas.microsoft.com/office/drawing/2014/main" id="{429222F7-B2A0-A543-8CEB-305EE7CCB68E}"/>
-              </a:ext>
-            </a:extLst>
-          </p:cNvPr>
-          <p:cNvSpPr>
-            <a:spLocks noGrp="1"/>
-          </p:cNvSpPr>
-          <p:nvPr>
-            <p:ph idx="1"/>
-          </p:nvPr>
-        </p:nvSpPr>
-        <p:spPr/>
-        <p:txBody>
-          <a:bodyPr>
-            <a:normAutofit/>
-          </a:bodyPr>
-          <a:lstStyle/>
-          <a:p>
-            <a:r>
-              <a:rPr lang="en-US" dirty="0"/>
-              <a:t>It's not about deciding how many weeks feature X will take to implement</a:t>
-            </a:r>
-          </a:p>
-          <a:p>
-            <a:r>
-              <a:rPr lang="en-US" dirty="0"/>
-              <a:t>You need a ballpark estimate: 1 month or 1 year? 1M or 10K euros?</a:t>
-            </a:r>
-          </a:p>
-        </p:txBody>
-      </p:sp>
-    </p:spTree>
-    <p:extLst>
-      <p:ext uri="{BB962C8B-B14F-4D97-AF65-F5344CB8AC3E}">
-        <p14:creationId xmlns:p14="http://schemas.microsoft.com/office/powerpoint/2010/main" val="582613309"/>
-      </p:ext>
-    </p:extLst>
-  </p:cSld>
-  <p:clrMapOvr>
-    <a:masterClrMapping/>
-  </p:clrMapOvr>
-</p:sld>
-</file>
-
 <file path=ppt/slides/slide19.xml><?xml version="1.0" encoding="utf-8"?>
 <p:sld xmlns:a="http://schemas.openxmlformats.org/drawingml/2006/main" xmlns:r="http://schemas.openxmlformats.org/officeDocument/2006/relationships" xmlns:p="http://schemas.openxmlformats.org/presentationml/2006/main">
   <p:cSld>
@@ -13647,7 +13666,7 @@
           <p:cNvPr id="2" name="Title 1">
             <a:extLst>
               <a:ext uri="{FF2B5EF4-FFF2-40B4-BE49-F238E27FC236}">
-                <a16:creationId xmlns:a16="http://schemas.microsoft.com/office/drawing/2014/main" id="{8B0F584B-70DF-8C47-A3F8-8CF9E9B5E661}"/>
+                <a16:creationId xmlns:a16="http://schemas.microsoft.com/office/drawing/2014/main" id="{5F035E3F-4D43-7A4C-820B-AB28ABE39300}"/>
               </a:ext>
             </a:extLst>
           </p:cNvPr>
@@ -13665,7 +13684,7 @@
           <a:p>
             <a:r>
               <a:rPr lang="en-US" dirty="0"/>
-              <a:t>Inception – what it is and what it isn’t</a:t>
+              <a:t>Inception</a:t>
             </a:r>
           </a:p>
         </p:txBody>
@@ -13675,7 +13694,7 @@
           <p:cNvPr id="3" name="Content Placeholder 2">
             <a:extLst>
               <a:ext uri="{FF2B5EF4-FFF2-40B4-BE49-F238E27FC236}">
-                <a16:creationId xmlns:a16="http://schemas.microsoft.com/office/drawing/2014/main" id="{429222F7-B2A0-A543-8CEB-305EE7CCB68E}"/>
+                <a16:creationId xmlns:a16="http://schemas.microsoft.com/office/drawing/2014/main" id="{D33A8DF1-7B5D-9748-A24C-ED6E24045B00}"/>
               </a:ext>
             </a:extLst>
           </p:cNvPr>
@@ -13695,19 +13714,19 @@
           <a:p>
             <a:r>
               <a:rPr lang="en-US" dirty="0"/>
-              <a:t>It's not about identifying every possible interaction that every imaginable user can have with your system</a:t>
-            </a:r>
-          </a:p>
-          <a:p>
-            <a:r>
-              <a:rPr lang="en-US" dirty="0"/>
-              <a:t>You want to have an idea of which people will end up using the system</a:t>
-            </a:r>
-          </a:p>
-          <a:p>
-            <a:r>
-              <a:rPr lang="en-US" dirty="0"/>
-              <a:t>You should have a few carefully thought out use cases</a:t>
+              <a:t>Envision the product scope, vision, and business case</a:t>
+            </a:r>
+          </a:p>
+          <a:p>
+            <a:r>
+              <a:rPr lang="en-US" dirty="0"/>
+              <a:t>Upon completion, the stakeholders have a basic agreement on the vision of the project and are able to decide whether to continue or not</a:t>
+            </a:r>
+          </a:p>
+          <a:p>
+            <a:r>
+              <a:rPr lang="en-US" dirty="0"/>
+              <a:t>It typically only lasts a few weeks</a:t>
             </a:r>
           </a:p>
         </p:txBody>
@@ -13715,7 +13734,7 @@
     </p:spTree>
     <p:extLst>
       <p:ext uri="{BB962C8B-B14F-4D97-AF65-F5344CB8AC3E}">
-        <p14:creationId xmlns:p14="http://schemas.microsoft.com/office/powerpoint/2010/main" val="192717258"/>
+        <p14:creationId xmlns:p14="http://schemas.microsoft.com/office/powerpoint/2010/main" val="3280420826"/>
       </p:ext>
     </p:extLst>
   </p:cSld>
@@ -13867,7 +13886,7 @@
           <p:cNvPr id="2" name="Title 1">
             <a:extLst>
               <a:ext uri="{FF2B5EF4-FFF2-40B4-BE49-F238E27FC236}">
-                <a16:creationId xmlns:a16="http://schemas.microsoft.com/office/drawing/2014/main" id="{8B0F584B-70DF-8C47-A3F8-8CF9E9B5E661}"/>
+                <a16:creationId xmlns:a16="http://schemas.microsoft.com/office/drawing/2014/main" id="{532C10DC-7EC0-9443-BF42-2E8DD8374D5B}"/>
               </a:ext>
             </a:extLst>
           </p:cNvPr>
@@ -13885,7 +13904,7 @@
           <a:p>
             <a:r>
               <a:rPr lang="en-US" dirty="0"/>
-              <a:t>Inception – what it is and what it isn’t</a:t>
+              <a:t>Inception – Artifacts</a:t>
             </a:r>
           </a:p>
         </p:txBody>
@@ -13895,7 +13914,7 @@
           <p:cNvPr id="3" name="Content Placeholder 2">
             <a:extLst>
               <a:ext uri="{FF2B5EF4-FFF2-40B4-BE49-F238E27FC236}">
-                <a16:creationId xmlns:a16="http://schemas.microsoft.com/office/drawing/2014/main" id="{429222F7-B2A0-A543-8CEB-305EE7CCB68E}"/>
+                <a16:creationId xmlns:a16="http://schemas.microsoft.com/office/drawing/2014/main" id="{C26CC0C9-1127-3840-BD95-C8260103B0DC}"/>
               </a:ext>
             </a:extLst>
           </p:cNvPr>
@@ -13909,19 +13928,49 @@
         <p:spPr/>
         <p:txBody>
           <a:bodyPr>
-            <a:normAutofit/>
+            <a:normAutofit fontScale="70000" lnSpcReduction="20000"/>
           </a:bodyPr>
           <a:lstStyle/>
           <a:p>
             <a:r>
               <a:rPr lang="en-US" dirty="0"/>
-              <a:t>It's not about choosing the color of the icon, which GUI library to use, or which operating system to support</a:t>
-            </a:r>
-          </a:p>
-          <a:p>
-            <a:r>
-              <a:rPr lang="en-US" dirty="0"/>
-              <a:t>You do want to think about whether it will run on tablets, mobile phones, desktops, or in the cloud</a:t>
+              <a:t>A vision document - what is the general vision of the project and what are the key features and constraints?</a:t>
+            </a:r>
+          </a:p>
+          <a:p>
+            <a:r>
+              <a:rPr lang="en-US" dirty="0"/>
+              <a:t>A initial list of use-cases - how will end-users interact with the system?</a:t>
+            </a:r>
+          </a:p>
+          <a:p>
+            <a:r>
+              <a:rPr lang="en-US" dirty="0"/>
+              <a:t>An initial project glossary - what is some of the domain-specific lingo?</a:t>
+            </a:r>
+          </a:p>
+          <a:p>
+            <a:r>
+              <a:rPr lang="en-US" dirty="0"/>
+              <a:t>An initial business case - how will we make money?</a:t>
+            </a:r>
+          </a:p>
+          <a:p>
+            <a:r>
+              <a:rPr lang="en-US" dirty="0"/>
+              <a:t>An initial risk assessment - what might go wrong?</a:t>
+            </a:r>
+          </a:p>
+          <a:p>
+            <a:r>
+              <a:rPr lang="en-US" dirty="0"/>
+              <a:t>A project plan, showing phases and iterations - how will we move forward?</a:t>
+            </a:r>
+          </a:p>
+          <a:p>
+            <a:r>
+              <a:rPr lang="en-US" dirty="0"/>
+              <a:t>One or several prototype experiments</a:t>
             </a:r>
           </a:p>
         </p:txBody>
@@ -13929,7 +13978,7 @@
     </p:spTree>
     <p:extLst>
       <p:ext uri="{BB962C8B-B14F-4D97-AF65-F5344CB8AC3E}">
-        <p14:creationId xmlns:p14="http://schemas.microsoft.com/office/powerpoint/2010/main" val="1296415576"/>
+        <p14:creationId xmlns:p14="http://schemas.microsoft.com/office/powerpoint/2010/main" val="2937950087"/>
       </p:ext>
     </p:extLst>
   </p:cSld>
@@ -13961,6 +14010,294 @@
           <p:cNvPr id="2" name="Title 1">
             <a:extLst>
               <a:ext uri="{FF2B5EF4-FFF2-40B4-BE49-F238E27FC236}">
+                <a16:creationId xmlns:a16="http://schemas.microsoft.com/office/drawing/2014/main" id="{8B0F584B-70DF-8C47-A3F8-8CF9E9B5E661}"/>
+              </a:ext>
+            </a:extLst>
+          </p:cNvPr>
+          <p:cNvSpPr>
+            <a:spLocks noGrp="1"/>
+          </p:cNvSpPr>
+          <p:nvPr>
+            <p:ph type="title"/>
+          </p:nvPr>
+        </p:nvSpPr>
+        <p:spPr/>
+        <p:txBody>
+          <a:bodyPr/>
+          <a:lstStyle/>
+          <a:p>
+            <a:r>
+              <a:rPr lang="en-US" dirty="0"/>
+              <a:t>Inception – what it is and what it isn’t</a:t>
+            </a:r>
+          </a:p>
+        </p:txBody>
+      </p:sp>
+      <p:sp>
+        <p:nvSpPr>
+          <p:cNvPr id="3" name="Content Placeholder 2">
+            <a:extLst>
+              <a:ext uri="{FF2B5EF4-FFF2-40B4-BE49-F238E27FC236}">
+                <a16:creationId xmlns:a16="http://schemas.microsoft.com/office/drawing/2014/main" id="{429222F7-B2A0-A543-8CEB-305EE7CCB68E}"/>
+              </a:ext>
+            </a:extLst>
+          </p:cNvPr>
+          <p:cNvSpPr>
+            <a:spLocks noGrp="1"/>
+          </p:cNvSpPr>
+          <p:nvPr>
+            <p:ph idx="1"/>
+          </p:nvPr>
+        </p:nvSpPr>
+        <p:spPr/>
+        <p:txBody>
+          <a:bodyPr>
+            <a:normAutofit/>
+          </a:bodyPr>
+          <a:lstStyle/>
+          <a:p>
+            <a:r>
+              <a:rPr lang="en-US" dirty="0"/>
+              <a:t>It's not about deciding how many weeks feature X will take to implement</a:t>
+            </a:r>
+          </a:p>
+          <a:p>
+            <a:r>
+              <a:rPr lang="en-US" dirty="0"/>
+              <a:t>You need a ballpark estimate: 1 month or 1 year? 1M or 10K euros?</a:t>
+            </a:r>
+          </a:p>
+        </p:txBody>
+      </p:sp>
+    </p:spTree>
+    <p:extLst>
+      <p:ext uri="{BB962C8B-B14F-4D97-AF65-F5344CB8AC3E}">
+        <p14:creationId xmlns:p14="http://schemas.microsoft.com/office/powerpoint/2010/main" val="582613309"/>
+      </p:ext>
+    </p:extLst>
+  </p:cSld>
+  <p:clrMapOvr>
+    <a:masterClrMapping/>
+  </p:clrMapOvr>
+</p:sld>
+</file>
+
+<file path=ppt/slides/slide22.xml><?xml version="1.0" encoding="utf-8"?>
+<p:sld xmlns:a="http://schemas.openxmlformats.org/drawingml/2006/main" xmlns:r="http://schemas.openxmlformats.org/officeDocument/2006/relationships" xmlns:p="http://schemas.openxmlformats.org/presentationml/2006/main">
+  <p:cSld>
+    <p:spTree>
+      <p:nvGrpSpPr>
+        <p:cNvPr id="1" name=""/>
+        <p:cNvGrpSpPr/>
+        <p:nvPr/>
+      </p:nvGrpSpPr>
+      <p:grpSpPr>
+        <a:xfrm>
+          <a:off x="0" y="0"/>
+          <a:ext cx="0" cy="0"/>
+          <a:chOff x="0" y="0"/>
+          <a:chExt cx="0" cy="0"/>
+        </a:xfrm>
+      </p:grpSpPr>
+      <p:sp>
+        <p:nvSpPr>
+          <p:cNvPr id="2" name="Title 1">
+            <a:extLst>
+              <a:ext uri="{FF2B5EF4-FFF2-40B4-BE49-F238E27FC236}">
+                <a16:creationId xmlns:a16="http://schemas.microsoft.com/office/drawing/2014/main" id="{8B0F584B-70DF-8C47-A3F8-8CF9E9B5E661}"/>
+              </a:ext>
+            </a:extLst>
+          </p:cNvPr>
+          <p:cNvSpPr>
+            <a:spLocks noGrp="1"/>
+          </p:cNvSpPr>
+          <p:nvPr>
+            <p:ph type="title"/>
+          </p:nvPr>
+        </p:nvSpPr>
+        <p:spPr/>
+        <p:txBody>
+          <a:bodyPr/>
+          <a:lstStyle/>
+          <a:p>
+            <a:r>
+              <a:rPr lang="en-US" dirty="0"/>
+              <a:t>Inception – what it is and what it isn’t</a:t>
+            </a:r>
+          </a:p>
+        </p:txBody>
+      </p:sp>
+      <p:sp>
+        <p:nvSpPr>
+          <p:cNvPr id="3" name="Content Placeholder 2">
+            <a:extLst>
+              <a:ext uri="{FF2B5EF4-FFF2-40B4-BE49-F238E27FC236}">
+                <a16:creationId xmlns:a16="http://schemas.microsoft.com/office/drawing/2014/main" id="{429222F7-B2A0-A543-8CEB-305EE7CCB68E}"/>
+              </a:ext>
+            </a:extLst>
+          </p:cNvPr>
+          <p:cNvSpPr>
+            <a:spLocks noGrp="1"/>
+          </p:cNvSpPr>
+          <p:nvPr>
+            <p:ph idx="1"/>
+          </p:nvPr>
+        </p:nvSpPr>
+        <p:spPr/>
+        <p:txBody>
+          <a:bodyPr>
+            <a:normAutofit/>
+          </a:bodyPr>
+          <a:lstStyle/>
+          <a:p>
+            <a:r>
+              <a:rPr lang="en-US" dirty="0"/>
+              <a:t>It's not about identifying every possible interaction that every imaginable user can have with your system</a:t>
+            </a:r>
+          </a:p>
+          <a:p>
+            <a:r>
+              <a:rPr lang="en-US" dirty="0"/>
+              <a:t>You want to have an idea of which people will end up using the system</a:t>
+            </a:r>
+          </a:p>
+          <a:p>
+            <a:r>
+              <a:rPr lang="en-US" dirty="0"/>
+              <a:t>You should have a few carefully thought out use cases</a:t>
+            </a:r>
+          </a:p>
+        </p:txBody>
+      </p:sp>
+    </p:spTree>
+    <p:extLst>
+      <p:ext uri="{BB962C8B-B14F-4D97-AF65-F5344CB8AC3E}">
+        <p14:creationId xmlns:p14="http://schemas.microsoft.com/office/powerpoint/2010/main" val="192717258"/>
+      </p:ext>
+    </p:extLst>
+  </p:cSld>
+  <p:clrMapOvr>
+    <a:masterClrMapping/>
+  </p:clrMapOvr>
+</p:sld>
+</file>
+
+<file path=ppt/slides/slide23.xml><?xml version="1.0" encoding="utf-8"?>
+<p:sld xmlns:a="http://schemas.openxmlformats.org/drawingml/2006/main" xmlns:r="http://schemas.openxmlformats.org/officeDocument/2006/relationships" xmlns:p="http://schemas.openxmlformats.org/presentationml/2006/main">
+  <p:cSld>
+    <p:spTree>
+      <p:nvGrpSpPr>
+        <p:cNvPr id="1" name=""/>
+        <p:cNvGrpSpPr/>
+        <p:nvPr/>
+      </p:nvGrpSpPr>
+      <p:grpSpPr>
+        <a:xfrm>
+          <a:off x="0" y="0"/>
+          <a:ext cx="0" cy="0"/>
+          <a:chOff x="0" y="0"/>
+          <a:chExt cx="0" cy="0"/>
+        </a:xfrm>
+      </p:grpSpPr>
+      <p:sp>
+        <p:nvSpPr>
+          <p:cNvPr id="2" name="Title 1">
+            <a:extLst>
+              <a:ext uri="{FF2B5EF4-FFF2-40B4-BE49-F238E27FC236}">
+                <a16:creationId xmlns:a16="http://schemas.microsoft.com/office/drawing/2014/main" id="{8B0F584B-70DF-8C47-A3F8-8CF9E9B5E661}"/>
+              </a:ext>
+            </a:extLst>
+          </p:cNvPr>
+          <p:cNvSpPr>
+            <a:spLocks noGrp="1"/>
+          </p:cNvSpPr>
+          <p:nvPr>
+            <p:ph type="title"/>
+          </p:nvPr>
+        </p:nvSpPr>
+        <p:spPr/>
+        <p:txBody>
+          <a:bodyPr/>
+          <a:lstStyle/>
+          <a:p>
+            <a:r>
+              <a:rPr lang="en-US" dirty="0"/>
+              <a:t>Inception – what it is and what it isn’t</a:t>
+            </a:r>
+          </a:p>
+        </p:txBody>
+      </p:sp>
+      <p:sp>
+        <p:nvSpPr>
+          <p:cNvPr id="3" name="Content Placeholder 2">
+            <a:extLst>
+              <a:ext uri="{FF2B5EF4-FFF2-40B4-BE49-F238E27FC236}">
+                <a16:creationId xmlns:a16="http://schemas.microsoft.com/office/drawing/2014/main" id="{429222F7-B2A0-A543-8CEB-305EE7CCB68E}"/>
+              </a:ext>
+            </a:extLst>
+          </p:cNvPr>
+          <p:cNvSpPr>
+            <a:spLocks noGrp="1"/>
+          </p:cNvSpPr>
+          <p:nvPr>
+            <p:ph idx="1"/>
+          </p:nvPr>
+        </p:nvSpPr>
+        <p:spPr/>
+        <p:txBody>
+          <a:bodyPr>
+            <a:normAutofit/>
+          </a:bodyPr>
+          <a:lstStyle/>
+          <a:p>
+            <a:r>
+              <a:rPr lang="en-US" dirty="0"/>
+              <a:t>It's not about choosing the color of the icon, which GUI library to use, or which operating system to support</a:t>
+            </a:r>
+          </a:p>
+          <a:p>
+            <a:r>
+              <a:rPr lang="en-US" dirty="0"/>
+              <a:t>You do want to think about whether it will run on tablets, mobile phones, desktops, or in the cloud</a:t>
+            </a:r>
+          </a:p>
+        </p:txBody>
+      </p:sp>
+    </p:spTree>
+    <p:extLst>
+      <p:ext uri="{BB962C8B-B14F-4D97-AF65-F5344CB8AC3E}">
+        <p14:creationId xmlns:p14="http://schemas.microsoft.com/office/powerpoint/2010/main" val="1296415576"/>
+      </p:ext>
+    </p:extLst>
+  </p:cSld>
+  <p:clrMapOvr>
+    <a:masterClrMapping/>
+  </p:clrMapOvr>
+</p:sld>
+</file>
+
+<file path=ppt/slides/slide24.xml><?xml version="1.0" encoding="utf-8"?>
+<p:sld xmlns:a="http://schemas.openxmlformats.org/drawingml/2006/main" xmlns:r="http://schemas.openxmlformats.org/officeDocument/2006/relationships" xmlns:p="http://schemas.openxmlformats.org/presentationml/2006/main">
+  <p:cSld>
+    <p:spTree>
+      <p:nvGrpSpPr>
+        <p:cNvPr id="1" name=""/>
+        <p:cNvGrpSpPr/>
+        <p:nvPr/>
+      </p:nvGrpSpPr>
+      <p:grpSpPr>
+        <a:xfrm>
+          <a:off x="0" y="0"/>
+          <a:ext cx="0" cy="0"/>
+          <a:chOff x="0" y="0"/>
+          <a:chExt cx="0" cy="0"/>
+        </a:xfrm>
+      </p:grpSpPr>
+      <p:sp>
+        <p:nvSpPr>
+          <p:cNvPr id="2" name="Title 1">
+            <a:extLst>
+              <a:ext uri="{FF2B5EF4-FFF2-40B4-BE49-F238E27FC236}">
                 <a16:creationId xmlns:a16="http://schemas.microsoft.com/office/drawing/2014/main" id="{682DB5A4-3F3E-B649-9EA9-F12282C0834C}"/>
               </a:ext>
             </a:extLst>
@@ -14052,7 +14389,7 @@
 </p:sld>
 </file>
 
-<file path=ppt/slides/slide22.xml><?xml version="1.0" encoding="utf-8"?>
+<file path=ppt/slides/slide25.xml><?xml version="1.0" encoding="utf-8"?>
 <p:sld xmlns:a="http://schemas.openxmlformats.org/drawingml/2006/main" xmlns:r="http://schemas.openxmlformats.org/officeDocument/2006/relationships" xmlns:p="http://schemas.openxmlformats.org/presentationml/2006/main">
   <p:cSld>
     <p:spTree>
@@ -14140,344 +14477,6 @@
 </p:sld>
 </file>
 
-<file path=ppt/slides/slide23.xml><?xml version="1.0" encoding="utf-8"?>
-<p:sld xmlns:a="http://schemas.openxmlformats.org/drawingml/2006/main" xmlns:r="http://schemas.openxmlformats.org/officeDocument/2006/relationships" xmlns:p="http://schemas.openxmlformats.org/presentationml/2006/main">
-  <p:cSld>
-    <p:spTree>
-      <p:nvGrpSpPr>
-        <p:cNvPr id="1" name=""/>
-        <p:cNvGrpSpPr/>
-        <p:nvPr/>
-      </p:nvGrpSpPr>
-      <p:grpSpPr>
-        <a:xfrm>
-          <a:off x="0" y="0"/>
-          <a:ext cx="0" cy="0"/>
-          <a:chOff x="0" y="0"/>
-          <a:chExt cx="0" cy="0"/>
-        </a:xfrm>
-      </p:grpSpPr>
-      <p:sp>
-        <p:nvSpPr>
-          <p:cNvPr id="2" name="Title 1">
-            <a:extLst>
-              <a:ext uri="{FF2B5EF4-FFF2-40B4-BE49-F238E27FC236}">
-                <a16:creationId xmlns:a16="http://schemas.microsoft.com/office/drawing/2014/main" id="{77749609-A9C1-E240-BC7C-CD21AC1AD33D}"/>
-              </a:ext>
-            </a:extLst>
-          </p:cNvPr>
-          <p:cNvSpPr>
-            <a:spLocks noGrp="1"/>
-          </p:cNvSpPr>
-          <p:nvPr>
-            <p:ph type="title"/>
-          </p:nvPr>
-        </p:nvSpPr>
-        <p:spPr/>
-        <p:txBody>
-          <a:bodyPr/>
-          <a:lstStyle/>
-          <a:p>
-            <a:r>
-              <a:rPr lang="en-US" dirty="0"/>
-              <a:t>Elaboration – Goals</a:t>
-            </a:r>
-          </a:p>
-        </p:txBody>
-      </p:sp>
-      <p:sp>
-        <p:nvSpPr>
-          <p:cNvPr id="3" name="Content Placeholder 2">
-            <a:extLst>
-              <a:ext uri="{FF2B5EF4-FFF2-40B4-BE49-F238E27FC236}">
-                <a16:creationId xmlns:a16="http://schemas.microsoft.com/office/drawing/2014/main" id="{60D50AF8-C045-F642-B95D-0922FFA3CFFA}"/>
-              </a:ext>
-            </a:extLst>
-          </p:cNvPr>
-          <p:cNvSpPr>
-            <a:spLocks noGrp="1"/>
-          </p:cNvSpPr>
-          <p:nvPr>
-            <p:ph idx="1"/>
-          </p:nvPr>
-        </p:nvSpPr>
-        <p:spPr/>
-        <p:txBody>
-          <a:bodyPr>
-            <a:normAutofit fontScale="70000" lnSpcReduction="20000"/>
-          </a:bodyPr>
-          <a:lstStyle/>
-          <a:p>
-            <a:r>
-              <a:rPr lang="en-US" dirty="0"/>
-              <a:t>Analyze the problem domain, establish an architectural foundation, develop a project plan, and eliminate highest risks</a:t>
-            </a:r>
-          </a:p>
-          <a:p>
-            <a:r>
-              <a:rPr lang="en-US" dirty="0"/>
-              <a:t>You need to develop a ‘mile high and inch deep’ view of the system</a:t>
-            </a:r>
-          </a:p>
-          <a:p>
-            <a:r>
-              <a:rPr lang="en-US" dirty="0"/>
-              <a:t>Now is the time to make architectural decisions</a:t>
-            </a:r>
-          </a:p>
-          <a:p>
-            <a:r>
-              <a:rPr lang="en-US" dirty="0"/>
-              <a:t>Build an executable architecture prototype, thereby eliminating critical risk, for the central use cases developed in the Inception phase</a:t>
-            </a:r>
-          </a:p>
-          <a:p>
-            <a:r>
-              <a:rPr lang="en-US" i="1" dirty="0"/>
-              <a:t>Note:</a:t>
-            </a:r>
-            <a:r>
-              <a:rPr lang="en-US" dirty="0"/>
-              <a:t> you should start building a prototype early, even if the requirements have not been finalized yet</a:t>
-            </a:r>
-          </a:p>
-        </p:txBody>
-      </p:sp>
-    </p:spTree>
-    <p:extLst>
-      <p:ext uri="{BB962C8B-B14F-4D97-AF65-F5344CB8AC3E}">
-        <p14:creationId xmlns:p14="http://schemas.microsoft.com/office/powerpoint/2010/main" val="3760323495"/>
-      </p:ext>
-    </p:extLst>
-  </p:cSld>
-  <p:clrMapOvr>
-    <a:masterClrMapping/>
-  </p:clrMapOvr>
-</p:sld>
-</file>
-
-<file path=ppt/slides/slide24.xml><?xml version="1.0" encoding="utf-8"?>
-<p:sld xmlns:a="http://schemas.openxmlformats.org/drawingml/2006/main" xmlns:r="http://schemas.openxmlformats.org/officeDocument/2006/relationships" xmlns:p="http://schemas.openxmlformats.org/presentationml/2006/main">
-  <p:cSld>
-    <p:spTree>
-      <p:nvGrpSpPr>
-        <p:cNvPr id="1" name=""/>
-        <p:cNvGrpSpPr/>
-        <p:nvPr/>
-      </p:nvGrpSpPr>
-      <p:grpSpPr>
-        <a:xfrm>
-          <a:off x="0" y="0"/>
-          <a:ext cx="0" cy="0"/>
-          <a:chOff x="0" y="0"/>
-          <a:chExt cx="0" cy="0"/>
-        </a:xfrm>
-      </p:grpSpPr>
-      <p:sp>
-        <p:nvSpPr>
-          <p:cNvPr id="2" name="Title 1">
-            <a:extLst>
-              <a:ext uri="{FF2B5EF4-FFF2-40B4-BE49-F238E27FC236}">
-                <a16:creationId xmlns:a16="http://schemas.microsoft.com/office/drawing/2014/main" id="{77749609-A9C1-E240-BC7C-CD21AC1AD33D}"/>
-              </a:ext>
-            </a:extLst>
-          </p:cNvPr>
-          <p:cNvSpPr>
-            <a:spLocks noGrp="1"/>
-          </p:cNvSpPr>
-          <p:nvPr>
-            <p:ph type="title"/>
-          </p:nvPr>
-        </p:nvSpPr>
-        <p:spPr/>
-        <p:txBody>
-          <a:bodyPr/>
-          <a:lstStyle/>
-          <a:p>
-            <a:r>
-              <a:rPr lang="en-US" dirty="0"/>
-              <a:t>Elaboration – artifacts</a:t>
-            </a:r>
-          </a:p>
-        </p:txBody>
-      </p:sp>
-      <p:sp>
-        <p:nvSpPr>
-          <p:cNvPr id="3" name="Content Placeholder 2">
-            <a:extLst>
-              <a:ext uri="{FF2B5EF4-FFF2-40B4-BE49-F238E27FC236}">
-                <a16:creationId xmlns:a16="http://schemas.microsoft.com/office/drawing/2014/main" id="{60D50AF8-C045-F642-B95D-0922FFA3CFFA}"/>
-              </a:ext>
-            </a:extLst>
-          </p:cNvPr>
-          <p:cNvSpPr>
-            <a:spLocks noGrp="1"/>
-          </p:cNvSpPr>
-          <p:nvPr>
-            <p:ph idx="1"/>
-          </p:nvPr>
-        </p:nvSpPr>
-        <p:spPr/>
-        <p:txBody>
-          <a:bodyPr>
-            <a:normAutofit fontScale="92500" lnSpcReduction="10000"/>
-          </a:bodyPr>
-          <a:lstStyle/>
-          <a:p>
-            <a:r>
-              <a:rPr lang="en-US" dirty="0"/>
-              <a:t>A use-case model describing how users will interact with the system</a:t>
-            </a:r>
-          </a:p>
-          <a:p>
-            <a:r>
-              <a:rPr lang="en-US" dirty="0"/>
-              <a:t>Supplementary requirements capturing the non-functional requirements</a:t>
-            </a:r>
-          </a:p>
-          <a:p>
-            <a:r>
-              <a:rPr lang="en-US" dirty="0"/>
-              <a:t>A Software Architecture Description</a:t>
-            </a:r>
-          </a:p>
-          <a:p>
-            <a:r>
-              <a:rPr lang="en-US" i="1" dirty="0"/>
-              <a:t>...a what?</a:t>
-            </a:r>
-          </a:p>
-        </p:txBody>
-      </p:sp>
-    </p:spTree>
-    <p:extLst>
-      <p:ext uri="{BB962C8B-B14F-4D97-AF65-F5344CB8AC3E}">
-        <p14:creationId xmlns:p14="http://schemas.microsoft.com/office/powerpoint/2010/main" val="3697261638"/>
-      </p:ext>
-    </p:extLst>
-  </p:cSld>
-  <p:clrMapOvr>
-    <a:masterClrMapping/>
-  </p:clrMapOvr>
-</p:sld>
-</file>
-
-<file path=ppt/slides/slide25.xml><?xml version="1.0" encoding="utf-8"?>
-<p:sld xmlns:a="http://schemas.openxmlformats.org/drawingml/2006/main" xmlns:r="http://schemas.openxmlformats.org/officeDocument/2006/relationships" xmlns:p="http://schemas.openxmlformats.org/presentationml/2006/main">
-  <p:cSld>
-    <p:spTree>
-      <p:nvGrpSpPr>
-        <p:cNvPr id="1" name=""/>
-        <p:cNvGrpSpPr/>
-        <p:nvPr/>
-      </p:nvGrpSpPr>
-      <p:grpSpPr>
-        <a:xfrm>
-          <a:off x="0" y="0"/>
-          <a:ext cx="0" cy="0"/>
-          <a:chOff x="0" y="0"/>
-          <a:chExt cx="0" cy="0"/>
-        </a:xfrm>
-      </p:grpSpPr>
-      <p:sp>
-        <p:nvSpPr>
-          <p:cNvPr id="2" name="Title 1">
-            <a:extLst>
-              <a:ext uri="{FF2B5EF4-FFF2-40B4-BE49-F238E27FC236}">
-                <a16:creationId xmlns:a16="http://schemas.microsoft.com/office/drawing/2014/main" id="{BBFFA51A-DD3B-F640-9858-521B0C2E1374}"/>
-              </a:ext>
-            </a:extLst>
-          </p:cNvPr>
-          <p:cNvSpPr>
-            <a:spLocks noGrp="1"/>
-          </p:cNvSpPr>
-          <p:nvPr>
-            <p:ph type="title"/>
-          </p:nvPr>
-        </p:nvSpPr>
-        <p:spPr/>
-        <p:txBody>
-          <a:bodyPr/>
-          <a:lstStyle/>
-          <a:p>
-            <a:r>
-              <a:rPr lang="en-US" dirty="0"/>
-              <a:t>Software architecture</a:t>
-            </a:r>
-          </a:p>
-        </p:txBody>
-      </p:sp>
-      <p:sp>
-        <p:nvSpPr>
-          <p:cNvPr id="3" name="Content Placeholder 2">
-            <a:extLst>
-              <a:ext uri="{FF2B5EF4-FFF2-40B4-BE49-F238E27FC236}">
-                <a16:creationId xmlns:a16="http://schemas.microsoft.com/office/drawing/2014/main" id="{30A8363C-8793-6845-83F0-7E4FD5BC3695}"/>
-              </a:ext>
-            </a:extLst>
-          </p:cNvPr>
-          <p:cNvSpPr>
-            <a:spLocks noGrp="1"/>
-          </p:cNvSpPr>
-          <p:nvPr>
-            <p:ph idx="1"/>
-          </p:nvPr>
-        </p:nvSpPr>
-        <p:spPr>
-          <a:xfrm>
-            <a:off x="1141412" y="1934693"/>
-            <a:ext cx="9905999" cy="4241254"/>
-          </a:xfrm>
-        </p:spPr>
-        <p:txBody>
-          <a:bodyPr>
-            <a:normAutofit fontScale="85000" lnSpcReduction="20000"/>
-          </a:bodyPr>
-          <a:lstStyle/>
-          <a:p>
-            <a:r>
-              <a:rPr lang="en-US" dirty="0"/>
-              <a:t>Software Architecture is a very popular term in the context of software development</a:t>
-            </a:r>
-          </a:p>
-          <a:p>
-            <a:r>
-              <a:rPr lang="en-US" dirty="0"/>
-              <a:t>From </a:t>
-            </a:r>
-            <a:r>
-              <a:rPr lang="en-US" dirty="0" err="1"/>
-              <a:t>Larman</a:t>
-            </a:r>
-            <a:r>
-              <a:rPr lang="en-US" dirty="0"/>
-              <a:t> (p. 448):</a:t>
-            </a:r>
-          </a:p>
-          <a:p>
-            <a:pPr marL="0" indent="0">
-              <a:buNone/>
-            </a:pPr>
-            <a:r>
-              <a:rPr lang="en-US" i="1" dirty="0"/>
-              <a:t>[…] the architecture includes the organization and structure of the major elements of the system. Beyond this static definition, it includes the system behavior, especially in terms of large scale responsibilities of systems and subsystems, and their collaborations. In terms of a description, the architecture includes the motivations or rationale for why the system is designed the way it is.</a:t>
-            </a:r>
-          </a:p>
-        </p:txBody>
-      </p:sp>
-    </p:spTree>
-    <p:extLst>
-      <p:ext uri="{BB962C8B-B14F-4D97-AF65-F5344CB8AC3E}">
-        <p14:creationId xmlns:p14="http://schemas.microsoft.com/office/powerpoint/2010/main" val="3530195871"/>
-      </p:ext>
-    </p:extLst>
-  </p:cSld>
-  <p:clrMapOvr>
-    <a:masterClrMapping/>
-  </p:clrMapOvr>
-</p:sld>
-</file>
-
 <file path=ppt/slides/slide26.xml><?xml version="1.0" encoding="utf-8"?>
 <p:sld xmlns:a="http://schemas.openxmlformats.org/drawingml/2006/main" xmlns:r="http://schemas.openxmlformats.org/officeDocument/2006/relationships" xmlns:p="http://schemas.openxmlformats.org/presentationml/2006/main">
   <p:cSld>
@@ -14518,7 +14517,7 @@
           <a:p>
             <a:r>
               <a:rPr lang="en-US" dirty="0"/>
-              <a:t>Elaboration – artifacts</a:t>
+              <a:t>Elaboration – Goals</a:t>
             </a:r>
           </a:p>
         </p:txBody>
@@ -14539,63 +14538,44 @@
             <p:ph idx="1"/>
           </p:nvPr>
         </p:nvSpPr>
-        <p:spPr>
-          <a:xfrm>
-            <a:off x="1141412" y="2249487"/>
-            <a:ext cx="9905999" cy="4046210"/>
-          </a:xfrm>
-        </p:spPr>
+        <p:spPr/>
         <p:txBody>
           <a:bodyPr>
-            <a:normAutofit fontScale="85000" lnSpcReduction="20000"/>
+            <a:normAutofit fontScale="70000" lnSpcReduction="20000"/>
           </a:bodyPr>
           <a:lstStyle/>
           <a:p>
             <a:r>
-              <a:rPr lang="en-US" dirty="0">
-                <a:solidFill>
-                  <a:schemeClr val="tx1">
-                    <a:lumMod val="65000"/>
-                  </a:schemeClr>
-                </a:solidFill>
-              </a:rPr>
-              <a:t>A use-case model describing how users will interact with the system</a:t>
-            </a:r>
-          </a:p>
-          <a:p>
-            <a:r>
-              <a:rPr lang="en-US" dirty="0">
-                <a:solidFill>
-                  <a:schemeClr val="tx1">
-                    <a:lumMod val="65000"/>
-                  </a:schemeClr>
-                </a:solidFill>
-              </a:rPr>
-              <a:t>Supplementary requirements capturing the non-functional requirements</a:t>
-            </a:r>
-          </a:p>
-          <a:p>
-            <a:r>
-              <a:rPr lang="en-US" dirty="0">
-                <a:solidFill>
-                  <a:schemeClr val="tx1">
-                    <a:lumMod val="65000"/>
-                  </a:schemeClr>
-                </a:solidFill>
-              </a:rPr>
-              <a:t>A Software Architecture Description</a:t>
-            </a:r>
-          </a:p>
-          <a:p>
-            <a:r>
-              <a:rPr lang="en-US" dirty="0"/>
-              <a:t>A revised risk list and a revised business case</a:t>
-            </a:r>
-          </a:p>
-          <a:p>
-            <a:r>
-              <a:rPr lang="en-US" dirty="0"/>
-              <a:t>A development plan for the overall project, including the coarse-grained project plan, showing iterations and evaluation criteria for each iteration</a:t>
+              <a:rPr lang="en-US" dirty="0"/>
+              <a:t>Analyze the problem domain, establish an architectural foundation, develop a project plan, and eliminate highest risks</a:t>
+            </a:r>
+          </a:p>
+          <a:p>
+            <a:r>
+              <a:rPr lang="en-US" dirty="0"/>
+              <a:t>You need to develop a ‘mile high and inch deep’ view of the system</a:t>
+            </a:r>
+          </a:p>
+          <a:p>
+            <a:r>
+              <a:rPr lang="en-US" dirty="0"/>
+              <a:t>Now is the time to make architectural decisions</a:t>
+            </a:r>
+          </a:p>
+          <a:p>
+            <a:r>
+              <a:rPr lang="en-US" dirty="0"/>
+              <a:t>Build an executable architecture prototype, thereby eliminating critical risk, for the central use cases developed in the Inception phase</a:t>
+            </a:r>
+          </a:p>
+          <a:p>
+            <a:r>
+              <a:rPr lang="en-US" i="1" dirty="0"/>
+              <a:t>Note:</a:t>
+            </a:r>
+            <a:r>
+              <a:rPr lang="en-US" dirty="0"/>
+              <a:t> you should start building a prototype early, even if the requirements have not been finalized yet</a:t>
             </a:r>
           </a:p>
         </p:txBody>
@@ -14603,7 +14583,7 @@
     </p:spTree>
     <p:extLst>
       <p:ext uri="{BB962C8B-B14F-4D97-AF65-F5344CB8AC3E}">
-        <p14:creationId xmlns:p14="http://schemas.microsoft.com/office/powerpoint/2010/main" val="3294721973"/>
+        <p14:creationId xmlns:p14="http://schemas.microsoft.com/office/powerpoint/2010/main" val="3760323495"/>
       </p:ext>
     </p:extLst>
   </p:cSld>
@@ -14635,7 +14615,7 @@
           <p:cNvPr id="2" name="Title 1">
             <a:extLst>
               <a:ext uri="{FF2B5EF4-FFF2-40B4-BE49-F238E27FC236}">
-                <a16:creationId xmlns:a16="http://schemas.microsoft.com/office/drawing/2014/main" id="{34FCD40F-2D39-4A47-9A31-DDC558266FF3}"/>
+                <a16:creationId xmlns:a16="http://schemas.microsoft.com/office/drawing/2014/main" id="{77749609-A9C1-E240-BC7C-CD21AC1AD33D}"/>
               </a:ext>
             </a:extLst>
           </p:cNvPr>
@@ -14653,7 +14633,7 @@
           <a:p>
             <a:r>
               <a:rPr lang="en-US" dirty="0"/>
-              <a:t>Elaboration – results</a:t>
+              <a:t>Elaboration – artifacts</a:t>
             </a:r>
           </a:p>
         </p:txBody>
@@ -14663,7 +14643,7 @@
           <p:cNvPr id="3" name="Content Placeholder 2">
             <a:extLst>
               <a:ext uri="{FF2B5EF4-FFF2-40B4-BE49-F238E27FC236}">
-                <a16:creationId xmlns:a16="http://schemas.microsoft.com/office/drawing/2014/main" id="{9792BBDC-CC0E-9B4F-914A-C5E540075886}"/>
+                <a16:creationId xmlns:a16="http://schemas.microsoft.com/office/drawing/2014/main" id="{60D50AF8-C045-F642-B95D-0922FFA3CFFA}"/>
               </a:ext>
             </a:extLst>
           </p:cNvPr>
@@ -14677,39 +14657,39 @@
         <p:spPr/>
         <p:txBody>
           <a:bodyPr>
-            <a:normAutofit/>
+            <a:normAutofit fontScale="92500" lnSpcReduction="10000"/>
           </a:bodyPr>
           <a:lstStyle/>
           <a:p>
             <a:r>
               <a:rPr lang="en-US" dirty="0"/>
-              <a:t>A stable vision of the software system and its architecture</a:t>
-            </a:r>
-          </a:p>
-          <a:p>
-            <a:r>
-              <a:rPr lang="en-US" dirty="0"/>
-              <a:t>Minimized the risks that could cause the project to fail if you choose to continue</a:t>
-            </a:r>
-          </a:p>
-          <a:p>
-            <a:r>
-              <a:rPr lang="en-US" dirty="0"/>
-              <a:t>Better estimates for project costs and planning</a:t>
-            </a:r>
-          </a:p>
-          <a:p>
-            <a:pPr lvl="1"/>
-            <a:endParaRPr lang="en-US" dirty="0">
-              <a:cs typeface="Courier New" panose="02070309020205020404" pitchFamily="49" charset="0"/>
-            </a:endParaRPr>
+              <a:t>A use-case model describing how users will interact with the system</a:t>
+            </a:r>
+          </a:p>
+          <a:p>
+            <a:r>
+              <a:rPr lang="en-US" dirty="0"/>
+              <a:t>Supplementary requirements capturing the non-functional requirements</a:t>
+            </a:r>
+          </a:p>
+          <a:p>
+            <a:r>
+              <a:rPr lang="en-US" dirty="0"/>
+              <a:t>A Software Architecture Description</a:t>
+            </a:r>
+          </a:p>
+          <a:p>
+            <a:r>
+              <a:rPr lang="en-US" i="1" dirty="0"/>
+              <a:t>...a what?</a:t>
+            </a:r>
           </a:p>
         </p:txBody>
       </p:sp>
     </p:spTree>
     <p:extLst>
       <p:ext uri="{BB962C8B-B14F-4D97-AF65-F5344CB8AC3E}">
-        <p14:creationId xmlns:p14="http://schemas.microsoft.com/office/powerpoint/2010/main" val="1318936131"/>
+        <p14:creationId xmlns:p14="http://schemas.microsoft.com/office/powerpoint/2010/main" val="3697261638"/>
       </p:ext>
     </p:extLst>
   </p:cSld>
@@ -14741,7 +14721,7 @@
           <p:cNvPr id="2" name="Title 1">
             <a:extLst>
               <a:ext uri="{FF2B5EF4-FFF2-40B4-BE49-F238E27FC236}">
-                <a16:creationId xmlns:a16="http://schemas.microsoft.com/office/drawing/2014/main" id="{9608DFDE-4FA9-4C4C-8E81-66DB3870CF58}"/>
+                <a16:creationId xmlns:a16="http://schemas.microsoft.com/office/drawing/2014/main" id="{BBFFA51A-DD3B-F640-9858-521B0C2E1374}"/>
               </a:ext>
             </a:extLst>
           </p:cNvPr>
@@ -14759,45 +14739,73 @@
           <a:p>
             <a:r>
               <a:rPr lang="en-US" dirty="0"/>
-              <a:t>Construction</a:t>
-            </a:r>
-          </a:p>
-        </p:txBody>
-      </p:sp>
-      <p:pic>
-        <p:nvPicPr>
-          <p:cNvPr id="5" name="Picture 4">
+              <a:t>Software architecture</a:t>
+            </a:r>
+          </a:p>
+        </p:txBody>
+      </p:sp>
+      <p:sp>
+        <p:nvSpPr>
+          <p:cNvPr id="3" name="Content Placeholder 2">
             <a:extLst>
               <a:ext uri="{FF2B5EF4-FFF2-40B4-BE49-F238E27FC236}">
-                <a16:creationId xmlns:a16="http://schemas.microsoft.com/office/drawing/2014/main" id="{FF70A252-65C3-5349-B95D-6672ADBB9884}"/>
+                <a16:creationId xmlns:a16="http://schemas.microsoft.com/office/drawing/2014/main" id="{30A8363C-8793-6845-83F0-7E4FD5BC3695}"/>
               </a:ext>
             </a:extLst>
           </p:cNvPr>
-          <p:cNvPicPr>
-            <a:picLocks noChangeAspect="1"/>
-          </p:cNvPicPr>
-          <p:nvPr/>
-        </p:nvPicPr>
-        <p:blipFill>
-          <a:blip r:embed="rId2"/>
-          <a:stretch>
-            <a:fillRect/>
-          </a:stretch>
-        </p:blipFill>
+          <p:cNvSpPr>
+            <a:spLocks noGrp="1"/>
+          </p:cNvSpPr>
+          <p:nvPr>
+            <p:ph idx="1"/>
+          </p:nvPr>
+        </p:nvSpPr>
         <p:spPr>
           <a:xfrm>
-            <a:off x="2683667" y="1802279"/>
-            <a:ext cx="6821489" cy="4477652"/>
+            <a:off x="1141412" y="1934693"/>
+            <a:ext cx="9905999" cy="4241254"/>
           </a:xfrm>
-          <a:prstGeom prst="rect">
-            <a:avLst/>
-          </a:prstGeom>
         </p:spPr>
-      </p:pic>
+        <p:txBody>
+          <a:bodyPr>
+            <a:normAutofit fontScale="85000" lnSpcReduction="20000"/>
+          </a:bodyPr>
+          <a:lstStyle/>
+          <a:p>
+            <a:r>
+              <a:rPr lang="en-US" dirty="0"/>
+              <a:t>Software Architecture is a very popular term in the context of software development</a:t>
+            </a:r>
+          </a:p>
+          <a:p>
+            <a:r>
+              <a:rPr lang="en-US" dirty="0"/>
+              <a:t>From </a:t>
+            </a:r>
+            <a:r>
+              <a:rPr lang="en-US" dirty="0" err="1"/>
+              <a:t>Larman</a:t>
+            </a:r>
+            <a:r>
+              <a:rPr lang="en-US" dirty="0"/>
+              <a:t> (p. 448):</a:t>
+            </a:r>
+          </a:p>
+          <a:p>
+            <a:pPr marL="0" indent="0">
+              <a:buNone/>
+            </a:pPr>
+            <a:r>
+              <a:rPr lang="en-US" i="1" dirty="0"/>
+              <a:t>[…] the architecture includes the organization and structure of the major elements of the system. Beyond this static definition, it includes the system behavior, especially in terms of large scale responsibilities of systems and subsystems, and their collaborations. In terms of a description, the architecture includes the motivations or rationale for why the system is designed the way it is.</a:t>
+            </a:r>
+          </a:p>
+        </p:txBody>
+      </p:sp>
     </p:spTree>
     <p:extLst>
       <p:ext uri="{BB962C8B-B14F-4D97-AF65-F5344CB8AC3E}">
-        <p14:creationId xmlns:p14="http://schemas.microsoft.com/office/powerpoint/2010/main" val="3405259006"/>
+        <p14:creationId xmlns:p14="http://schemas.microsoft.com/office/powerpoint/2010/main" val="3530195871"/>
       </p:ext>
     </p:extLst>
   </p:cSld>
@@ -14829,7 +14837,7 @@
           <p:cNvPr id="2" name="Title 1">
             <a:extLst>
               <a:ext uri="{FF2B5EF4-FFF2-40B4-BE49-F238E27FC236}">
-                <a16:creationId xmlns:a16="http://schemas.microsoft.com/office/drawing/2014/main" id="{7EC361CC-1394-ED45-AF26-839417A0E563}"/>
+                <a16:creationId xmlns:a16="http://schemas.microsoft.com/office/drawing/2014/main" id="{77749609-A9C1-E240-BC7C-CD21AC1AD33D}"/>
               </a:ext>
             </a:extLst>
           </p:cNvPr>
@@ -14847,7 +14855,7 @@
           <a:p>
             <a:r>
               <a:rPr lang="en-US" dirty="0"/>
-              <a:t>Construction – goals</a:t>
+              <a:t>Elaboration – artifacts</a:t>
             </a:r>
           </a:p>
         </p:txBody>
@@ -14857,7 +14865,7 @@
           <p:cNvPr id="3" name="Content Placeholder 2">
             <a:extLst>
               <a:ext uri="{FF2B5EF4-FFF2-40B4-BE49-F238E27FC236}">
-                <a16:creationId xmlns:a16="http://schemas.microsoft.com/office/drawing/2014/main" id="{0C49309C-24F9-2B41-849C-0ADF8C8D2061}"/>
+                <a16:creationId xmlns:a16="http://schemas.microsoft.com/office/drawing/2014/main" id="{60D50AF8-C045-F642-B95D-0922FFA3CFFA}"/>
               </a:ext>
             </a:extLst>
           </p:cNvPr>
@@ -14868,33 +14876,71 @@
             <p:ph idx="1"/>
           </p:nvPr>
         </p:nvSpPr>
-        <p:spPr/>
+        <p:spPr>
+          <a:xfrm>
+            <a:off x="1141412" y="2249487"/>
+            <a:ext cx="9905999" cy="4046210"/>
+          </a:xfrm>
+        </p:spPr>
         <p:txBody>
           <a:bodyPr>
-            <a:normAutofit lnSpcReduction="10000"/>
+            <a:normAutofit fontScale="85000" lnSpcReduction="20000"/>
           </a:bodyPr>
           <a:lstStyle/>
           <a:p>
             <a:r>
-              <a:rPr lang="en-US" dirty="0"/>
-              <a:t>The main goal of the construction phase is to develop and test a baseline product</a:t>
-            </a:r>
-          </a:p>
-          <a:p>
-            <a:r>
-              <a:rPr lang="en-US" dirty="0"/>
-              <a:t>Upon completion, there should be a clear description of the product status, together with user manuals. The tool should be ready to be deployed - even if not all features are fully implemented.</a:t>
-            </a:r>
-          </a:p>
-          <a:p>
-            <a:endParaRPr lang="en-US" dirty="0"/>
+              <a:rPr lang="en-US" dirty="0">
+                <a:solidFill>
+                  <a:schemeClr val="tx1">
+                    <a:lumMod val="65000"/>
+                  </a:schemeClr>
+                </a:solidFill>
+              </a:rPr>
+              <a:t>A use-case model describing how users will interact with the system</a:t>
+            </a:r>
+          </a:p>
+          <a:p>
+            <a:r>
+              <a:rPr lang="en-US" dirty="0">
+                <a:solidFill>
+                  <a:schemeClr val="tx1">
+                    <a:lumMod val="65000"/>
+                  </a:schemeClr>
+                </a:solidFill>
+              </a:rPr>
+              <a:t>Supplementary requirements capturing the non-functional requirements</a:t>
+            </a:r>
+          </a:p>
+          <a:p>
+            <a:r>
+              <a:rPr lang="en-US" dirty="0">
+                <a:solidFill>
+                  <a:schemeClr val="tx1">
+                    <a:lumMod val="65000"/>
+                  </a:schemeClr>
+                </a:solidFill>
+              </a:rPr>
+              <a:t>A Software Architecture Description</a:t>
+            </a:r>
+          </a:p>
+          <a:p>
+            <a:r>
+              <a:rPr lang="en-US" dirty="0"/>
+              <a:t>A revised risk list and a revised business case</a:t>
+            </a:r>
+          </a:p>
+          <a:p>
+            <a:r>
+              <a:rPr lang="en-US" dirty="0"/>
+              <a:t>A development plan for the overall project, including the coarse-grained project plan, showing iterations and evaluation criteria for each iteration</a:t>
+            </a:r>
           </a:p>
         </p:txBody>
       </p:sp>
     </p:spTree>
     <p:extLst>
       <p:ext uri="{BB962C8B-B14F-4D97-AF65-F5344CB8AC3E}">
-        <p14:creationId xmlns:p14="http://schemas.microsoft.com/office/powerpoint/2010/main" val="302961909"/>
+        <p14:creationId xmlns:p14="http://schemas.microsoft.com/office/powerpoint/2010/main" val="3294721973"/>
       </p:ext>
     </p:extLst>
   </p:cSld>
@@ -15670,6 +15716,297 @@
           <p:cNvPr id="2" name="Title 1">
             <a:extLst>
               <a:ext uri="{FF2B5EF4-FFF2-40B4-BE49-F238E27FC236}">
+                <a16:creationId xmlns:a16="http://schemas.microsoft.com/office/drawing/2014/main" id="{34FCD40F-2D39-4A47-9A31-DDC558266FF3}"/>
+              </a:ext>
+            </a:extLst>
+          </p:cNvPr>
+          <p:cNvSpPr>
+            <a:spLocks noGrp="1"/>
+          </p:cNvSpPr>
+          <p:nvPr>
+            <p:ph type="title"/>
+          </p:nvPr>
+        </p:nvSpPr>
+        <p:spPr/>
+        <p:txBody>
+          <a:bodyPr/>
+          <a:lstStyle/>
+          <a:p>
+            <a:r>
+              <a:rPr lang="en-US" dirty="0"/>
+              <a:t>Elaboration – results</a:t>
+            </a:r>
+          </a:p>
+        </p:txBody>
+      </p:sp>
+      <p:sp>
+        <p:nvSpPr>
+          <p:cNvPr id="3" name="Content Placeholder 2">
+            <a:extLst>
+              <a:ext uri="{FF2B5EF4-FFF2-40B4-BE49-F238E27FC236}">
+                <a16:creationId xmlns:a16="http://schemas.microsoft.com/office/drawing/2014/main" id="{9792BBDC-CC0E-9B4F-914A-C5E540075886}"/>
+              </a:ext>
+            </a:extLst>
+          </p:cNvPr>
+          <p:cNvSpPr>
+            <a:spLocks noGrp="1"/>
+          </p:cNvSpPr>
+          <p:nvPr>
+            <p:ph idx="1"/>
+          </p:nvPr>
+        </p:nvSpPr>
+        <p:spPr/>
+        <p:txBody>
+          <a:bodyPr>
+            <a:normAutofit/>
+          </a:bodyPr>
+          <a:lstStyle/>
+          <a:p>
+            <a:r>
+              <a:rPr lang="en-US" dirty="0"/>
+              <a:t>A stable vision of the software system and its architecture</a:t>
+            </a:r>
+          </a:p>
+          <a:p>
+            <a:r>
+              <a:rPr lang="en-US" dirty="0"/>
+              <a:t>Minimized the risks that could cause the project to fail if you choose to continue</a:t>
+            </a:r>
+          </a:p>
+          <a:p>
+            <a:r>
+              <a:rPr lang="en-US" dirty="0"/>
+              <a:t>Better estimates for project costs and planning</a:t>
+            </a:r>
+          </a:p>
+          <a:p>
+            <a:pPr lvl="1"/>
+            <a:endParaRPr lang="en-US" dirty="0">
+              <a:cs typeface="Courier New" panose="02070309020205020404" pitchFamily="49" charset="0"/>
+            </a:endParaRPr>
+          </a:p>
+        </p:txBody>
+      </p:sp>
+    </p:spTree>
+    <p:extLst>
+      <p:ext uri="{BB962C8B-B14F-4D97-AF65-F5344CB8AC3E}">
+        <p14:creationId xmlns:p14="http://schemas.microsoft.com/office/powerpoint/2010/main" val="1318936131"/>
+      </p:ext>
+    </p:extLst>
+  </p:cSld>
+  <p:clrMapOvr>
+    <a:masterClrMapping/>
+  </p:clrMapOvr>
+</p:sld>
+</file>
+
+<file path=ppt/slides/slide31.xml><?xml version="1.0" encoding="utf-8"?>
+<p:sld xmlns:a="http://schemas.openxmlformats.org/drawingml/2006/main" xmlns:r="http://schemas.openxmlformats.org/officeDocument/2006/relationships" xmlns:p="http://schemas.openxmlformats.org/presentationml/2006/main">
+  <p:cSld>
+    <p:spTree>
+      <p:nvGrpSpPr>
+        <p:cNvPr id="1" name=""/>
+        <p:cNvGrpSpPr/>
+        <p:nvPr/>
+      </p:nvGrpSpPr>
+      <p:grpSpPr>
+        <a:xfrm>
+          <a:off x="0" y="0"/>
+          <a:ext cx="0" cy="0"/>
+          <a:chOff x="0" y="0"/>
+          <a:chExt cx="0" cy="0"/>
+        </a:xfrm>
+      </p:grpSpPr>
+      <p:sp>
+        <p:nvSpPr>
+          <p:cNvPr id="2" name="Title 1">
+            <a:extLst>
+              <a:ext uri="{FF2B5EF4-FFF2-40B4-BE49-F238E27FC236}">
+                <a16:creationId xmlns:a16="http://schemas.microsoft.com/office/drawing/2014/main" id="{9608DFDE-4FA9-4C4C-8E81-66DB3870CF58}"/>
+              </a:ext>
+            </a:extLst>
+          </p:cNvPr>
+          <p:cNvSpPr>
+            <a:spLocks noGrp="1"/>
+          </p:cNvSpPr>
+          <p:nvPr>
+            <p:ph type="title"/>
+          </p:nvPr>
+        </p:nvSpPr>
+        <p:spPr/>
+        <p:txBody>
+          <a:bodyPr/>
+          <a:lstStyle/>
+          <a:p>
+            <a:r>
+              <a:rPr lang="en-US" dirty="0"/>
+              <a:t>Construction</a:t>
+            </a:r>
+          </a:p>
+        </p:txBody>
+      </p:sp>
+      <p:pic>
+        <p:nvPicPr>
+          <p:cNvPr id="5" name="Picture 4">
+            <a:extLst>
+              <a:ext uri="{FF2B5EF4-FFF2-40B4-BE49-F238E27FC236}">
+                <a16:creationId xmlns:a16="http://schemas.microsoft.com/office/drawing/2014/main" id="{FF70A252-65C3-5349-B95D-6672ADBB9884}"/>
+              </a:ext>
+            </a:extLst>
+          </p:cNvPr>
+          <p:cNvPicPr>
+            <a:picLocks noChangeAspect="1"/>
+          </p:cNvPicPr>
+          <p:nvPr/>
+        </p:nvPicPr>
+        <p:blipFill>
+          <a:blip r:embed="rId2"/>
+          <a:stretch>
+            <a:fillRect/>
+          </a:stretch>
+        </p:blipFill>
+        <p:spPr>
+          <a:xfrm>
+            <a:off x="2683667" y="1802279"/>
+            <a:ext cx="6821489" cy="4477652"/>
+          </a:xfrm>
+          <a:prstGeom prst="rect">
+            <a:avLst/>
+          </a:prstGeom>
+        </p:spPr>
+      </p:pic>
+    </p:spTree>
+    <p:extLst>
+      <p:ext uri="{BB962C8B-B14F-4D97-AF65-F5344CB8AC3E}">
+        <p14:creationId xmlns:p14="http://schemas.microsoft.com/office/powerpoint/2010/main" val="3405259006"/>
+      </p:ext>
+    </p:extLst>
+  </p:cSld>
+  <p:clrMapOvr>
+    <a:masterClrMapping/>
+  </p:clrMapOvr>
+</p:sld>
+</file>
+
+<file path=ppt/slides/slide32.xml><?xml version="1.0" encoding="utf-8"?>
+<p:sld xmlns:a="http://schemas.openxmlformats.org/drawingml/2006/main" xmlns:r="http://schemas.openxmlformats.org/officeDocument/2006/relationships" xmlns:p="http://schemas.openxmlformats.org/presentationml/2006/main">
+  <p:cSld>
+    <p:spTree>
+      <p:nvGrpSpPr>
+        <p:cNvPr id="1" name=""/>
+        <p:cNvGrpSpPr/>
+        <p:nvPr/>
+      </p:nvGrpSpPr>
+      <p:grpSpPr>
+        <a:xfrm>
+          <a:off x="0" y="0"/>
+          <a:ext cx="0" cy="0"/>
+          <a:chOff x="0" y="0"/>
+          <a:chExt cx="0" cy="0"/>
+        </a:xfrm>
+      </p:grpSpPr>
+      <p:sp>
+        <p:nvSpPr>
+          <p:cNvPr id="2" name="Title 1">
+            <a:extLst>
+              <a:ext uri="{FF2B5EF4-FFF2-40B4-BE49-F238E27FC236}">
+                <a16:creationId xmlns:a16="http://schemas.microsoft.com/office/drawing/2014/main" id="{7EC361CC-1394-ED45-AF26-839417A0E563}"/>
+              </a:ext>
+            </a:extLst>
+          </p:cNvPr>
+          <p:cNvSpPr>
+            <a:spLocks noGrp="1"/>
+          </p:cNvSpPr>
+          <p:nvPr>
+            <p:ph type="title"/>
+          </p:nvPr>
+        </p:nvSpPr>
+        <p:spPr/>
+        <p:txBody>
+          <a:bodyPr/>
+          <a:lstStyle/>
+          <a:p>
+            <a:r>
+              <a:rPr lang="en-US" dirty="0"/>
+              <a:t>Construction – goals</a:t>
+            </a:r>
+          </a:p>
+        </p:txBody>
+      </p:sp>
+      <p:sp>
+        <p:nvSpPr>
+          <p:cNvPr id="3" name="Content Placeholder 2">
+            <a:extLst>
+              <a:ext uri="{FF2B5EF4-FFF2-40B4-BE49-F238E27FC236}">
+                <a16:creationId xmlns:a16="http://schemas.microsoft.com/office/drawing/2014/main" id="{0C49309C-24F9-2B41-849C-0ADF8C8D2061}"/>
+              </a:ext>
+            </a:extLst>
+          </p:cNvPr>
+          <p:cNvSpPr>
+            <a:spLocks noGrp="1"/>
+          </p:cNvSpPr>
+          <p:nvPr>
+            <p:ph idx="1"/>
+          </p:nvPr>
+        </p:nvSpPr>
+        <p:spPr/>
+        <p:txBody>
+          <a:bodyPr>
+            <a:normAutofit lnSpcReduction="10000"/>
+          </a:bodyPr>
+          <a:lstStyle/>
+          <a:p>
+            <a:r>
+              <a:rPr lang="en-US" dirty="0"/>
+              <a:t>The main goal of the construction phase is to develop and test a baseline product</a:t>
+            </a:r>
+          </a:p>
+          <a:p>
+            <a:r>
+              <a:rPr lang="en-US" dirty="0"/>
+              <a:t>Upon completion, there should be a clear description of the product status, together with user manuals. The tool should be ready to be deployed - even if not all features are fully implemented.</a:t>
+            </a:r>
+          </a:p>
+          <a:p>
+            <a:endParaRPr lang="en-US" dirty="0"/>
+          </a:p>
+        </p:txBody>
+      </p:sp>
+    </p:spTree>
+    <p:extLst>
+      <p:ext uri="{BB962C8B-B14F-4D97-AF65-F5344CB8AC3E}">
+        <p14:creationId xmlns:p14="http://schemas.microsoft.com/office/powerpoint/2010/main" val="302961909"/>
+      </p:ext>
+    </p:extLst>
+  </p:cSld>
+  <p:clrMapOvr>
+    <a:masterClrMapping/>
+  </p:clrMapOvr>
+</p:sld>
+</file>
+
+<file path=ppt/slides/slide33.xml><?xml version="1.0" encoding="utf-8"?>
+<p:sld xmlns:a="http://schemas.openxmlformats.org/drawingml/2006/main" xmlns:r="http://schemas.openxmlformats.org/officeDocument/2006/relationships" xmlns:p="http://schemas.openxmlformats.org/presentationml/2006/main">
+  <p:cSld>
+    <p:spTree>
+      <p:nvGrpSpPr>
+        <p:cNvPr id="1" name=""/>
+        <p:cNvGrpSpPr/>
+        <p:nvPr/>
+      </p:nvGrpSpPr>
+      <p:grpSpPr>
+        <a:xfrm>
+          <a:off x="0" y="0"/>
+          <a:ext cx="0" cy="0"/>
+          <a:chOff x="0" y="0"/>
+          <a:chExt cx="0" cy="0"/>
+        </a:xfrm>
+      </p:grpSpPr>
+      <p:sp>
+        <p:nvSpPr>
+          <p:cNvPr id="2" name="Title 1">
+            <a:extLst>
+              <a:ext uri="{FF2B5EF4-FFF2-40B4-BE49-F238E27FC236}">
                 <a16:creationId xmlns:a16="http://schemas.microsoft.com/office/drawing/2014/main" id="{03F54975-36A6-7B4C-BEFB-CC8F7D00E8EA}"/>
               </a:ext>
             </a:extLst>
@@ -15736,7 +16073,7 @@
 </p:sld>
 </file>
 
-<file path=ppt/slides/slide31.xml><?xml version="1.0" encoding="utf-8"?>
+<file path=ppt/slides/slide34.xml><?xml version="1.0" encoding="utf-8"?>
 <p:sld xmlns:a="http://schemas.openxmlformats.org/drawingml/2006/main" xmlns:r="http://schemas.openxmlformats.org/officeDocument/2006/relationships" xmlns:p="http://schemas.openxmlformats.org/presentationml/2006/main">
   <p:cSld>
     <p:spTree>
@@ -15868,7 +16205,7 @@
 </p:sld>
 </file>
 
-<file path=ppt/slides/slide32.xml><?xml version="1.0" encoding="utf-8"?>
+<file path=ppt/slides/slide35.xml><?xml version="1.0" encoding="utf-8"?>
 <p:sld xmlns:a="http://schemas.openxmlformats.org/drawingml/2006/main" xmlns:r="http://schemas.openxmlformats.org/officeDocument/2006/relationships" xmlns:p="http://schemas.openxmlformats.org/presentationml/2006/main">
   <p:cSld>
     <p:spTree>
@@ -15969,7 +16306,7 @@
 </p:sld>
 </file>
 
-<file path=ppt/slides/slide33.xml><?xml version="1.0" encoding="utf-8"?>
+<file path=ppt/slides/slide36.xml><?xml version="1.0" encoding="utf-8"?>
 <p:sld xmlns:a="http://schemas.openxmlformats.org/drawingml/2006/main" xmlns:r="http://schemas.openxmlformats.org/officeDocument/2006/relationships" xmlns:p="http://schemas.openxmlformats.org/presentationml/2006/main">
   <p:cSld>
     <p:spTree>
@@ -16057,7 +16394,7 @@
 </p:sld>
 </file>
 
-<file path=ppt/slides/slide34.xml><?xml version="1.0" encoding="utf-8"?>
+<file path=ppt/slides/slide37.xml><?xml version="1.0" encoding="utf-8"?>
 <p:sld xmlns:a="http://schemas.openxmlformats.org/drawingml/2006/main" xmlns:r="http://schemas.openxmlformats.org/officeDocument/2006/relationships" xmlns:p="http://schemas.openxmlformats.org/presentationml/2006/main">
   <p:cSld>
     <p:spTree>
@@ -16252,7 +16589,7 @@
 </p:sld>
 </file>
 
-<file path=ppt/slides/slide35.xml><?xml version="1.0" encoding="utf-8"?>
+<file path=ppt/slides/slide38.xml><?xml version="1.0" encoding="utf-8"?>
 <p:sld xmlns:a="http://schemas.openxmlformats.org/drawingml/2006/main" xmlns:r="http://schemas.openxmlformats.org/officeDocument/2006/relationships" xmlns:p="http://schemas.openxmlformats.org/presentationml/2006/main">
   <p:cSld>
     <p:spTree>
@@ -16369,7 +16706,7 @@
 </p:sld>
 </file>
 
-<file path=ppt/slides/slide36.xml><?xml version="1.0" encoding="utf-8"?>
+<file path=ppt/slides/slide39.xml><?xml version="1.0" encoding="utf-8"?>
 <p:sld xmlns:a="http://schemas.openxmlformats.org/drawingml/2006/main" xmlns:r="http://schemas.openxmlformats.org/officeDocument/2006/relationships" xmlns:p="http://schemas.openxmlformats.org/presentationml/2006/main">
   <p:cSld>
     <p:spTree>
